--- a/presentation/ゼミ論20181030.pptx
+++ b/presentation/ゼミ論20181030.pptx
@@ -13,14 +13,19 @@
     <p:sldId id="269" r:id="rId7"/>
     <p:sldId id="270" r:id="rId8"/>
     <p:sldId id="271" r:id="rId9"/>
-    <p:sldId id="274" r:id="rId10"/>
-    <p:sldId id="263" r:id="rId11"/>
-    <p:sldId id="264" r:id="rId12"/>
+    <p:sldId id="263" r:id="rId10"/>
+    <p:sldId id="264" r:id="rId11"/>
+    <p:sldId id="274" r:id="rId12"/>
     <p:sldId id="273" r:id="rId13"/>
     <p:sldId id="272" r:id="rId14"/>
     <p:sldId id="259" r:id="rId15"/>
     <p:sldId id="261" r:id="rId16"/>
-    <p:sldId id="262" r:id="rId17"/>
+    <p:sldId id="280" r:id="rId17"/>
+    <p:sldId id="275" r:id="rId18"/>
+    <p:sldId id="276" r:id="rId19"/>
+    <p:sldId id="277" r:id="rId20"/>
+    <p:sldId id="278" r:id="rId21"/>
+    <p:sldId id="279" r:id="rId22"/>
   </p:sldIdLst>
   <p:sldSz cx="12192000" cy="6858000"/>
   <p:notesSz cx="6858000" cy="9144000"/>
@@ -3288,10 +3293,18 @@
           <a:lstStyle/>
           <a:p>
             <a:r>
-              <a:rPr kumimoji="1" lang="ja-JP" altLang="en-US" dirty="0" smtClean="0"/>
+              <a:rPr kumimoji="1" lang="ja-JP" altLang="en-US" dirty="0" smtClean="0">
+                <a:latin typeface="Meiryo レギュラー" charset="-128"/>
+                <a:ea typeface="Meiryo レギュラー" charset="-128"/>
+                <a:cs typeface="Meiryo レギュラー" charset="-128"/>
+              </a:rPr>
               <a:t>ゼミ論</a:t>
             </a:r>
-            <a:endParaRPr kumimoji="1" lang="ja-JP" altLang="en-US" dirty="0"/>
+            <a:endParaRPr kumimoji="1" lang="ja-JP" altLang="en-US" dirty="0">
+              <a:latin typeface="Meiryo レギュラー" charset="-128"/>
+              <a:ea typeface="Meiryo レギュラー" charset="-128"/>
+              <a:cs typeface="Meiryo レギュラー" charset="-128"/>
+            </a:endParaRPr>
           </a:p>
         </p:txBody>
       </p:sp>
@@ -3311,12 +3324,20 @@
           <a:lstStyle/>
           <a:p>
             <a:r>
-              <a:rPr kumimoji="1" lang="en-US" altLang="ja-JP" dirty="0" smtClean="0"/>
+              <a:rPr kumimoji="1" lang="en-US" altLang="ja-JP" dirty="0" smtClean="0">
+                <a:latin typeface="Meiryo レギュラー" charset="-128"/>
+                <a:ea typeface="Meiryo レギュラー" charset="-128"/>
+                <a:cs typeface="Meiryo レギュラー" charset="-128"/>
+              </a:rPr>
               <a:t>2018/10/30</a:t>
             </a:r>
           </a:p>
           <a:p>
-            <a:endParaRPr kumimoji="1" lang="ja-JP" altLang="en-US" dirty="0"/>
+            <a:endParaRPr kumimoji="1" lang="ja-JP" altLang="en-US" dirty="0">
+              <a:latin typeface="Meiryo レギュラー" charset="-128"/>
+              <a:ea typeface="Meiryo レギュラー" charset="-128"/>
+              <a:cs typeface="Meiryo レギュラー" charset="-128"/>
+            </a:endParaRPr>
           </a:p>
         </p:txBody>
       </p:sp>
@@ -3341,253 +3362,6 @@
 </file>
 
 <file path=ppt/slides/slide10.xml><?xml version="1.0" encoding="utf-8"?>
-<p:sld xmlns:a="http://schemas.openxmlformats.org/drawingml/2006/main" xmlns:r="http://schemas.openxmlformats.org/officeDocument/2006/relationships" xmlns:p="http://schemas.openxmlformats.org/presentationml/2006/main">
-  <p:cSld>
-    <p:spTree>
-      <p:nvGrpSpPr>
-        <p:cNvPr id="1" name=""/>
-        <p:cNvGrpSpPr/>
-        <p:nvPr/>
-      </p:nvGrpSpPr>
-      <p:grpSpPr>
-        <a:xfrm>
-          <a:off x="0" y="0"/>
-          <a:ext cx="0" cy="0"/>
-          <a:chOff x="0" y="0"/>
-          <a:chExt cx="0" cy="0"/>
-        </a:xfrm>
-      </p:grpSpPr>
-      <p:pic>
-        <p:nvPicPr>
-          <p:cNvPr id="8" name="図 7"/>
-          <p:cNvPicPr>
-            <a:picLocks noChangeAspect="1"/>
-          </p:cNvPicPr>
-          <p:nvPr/>
-        </p:nvPicPr>
-        <p:blipFill>
-          <a:blip r:embed="rId2">
-            <a:extLst>
-              <a:ext uri="{28A0092B-C50C-407E-A947-70E740481C1C}">
-                <a14:useLocalDpi xmlns:a14="http://schemas.microsoft.com/office/drawing/2010/main" val="0"/>
-              </a:ext>
-            </a:extLst>
-          </a:blip>
-          <a:stretch>
-            <a:fillRect/>
-          </a:stretch>
-        </p:blipFill>
-        <p:spPr>
-          <a:xfrm>
-            <a:off x="1277898" y="4475760"/>
-            <a:ext cx="3624570" cy="2160000"/>
-          </a:xfrm>
-          <a:prstGeom prst="rect">
-            <a:avLst/>
-          </a:prstGeom>
-        </p:spPr>
-      </p:pic>
-      <p:pic>
-        <p:nvPicPr>
-          <p:cNvPr id="9" name="図 8"/>
-          <p:cNvPicPr>
-            <a:picLocks noChangeAspect="1"/>
-          </p:cNvPicPr>
-          <p:nvPr/>
-        </p:nvPicPr>
-        <p:blipFill>
-          <a:blip r:embed="rId3">
-            <a:extLst>
-              <a:ext uri="{28A0092B-C50C-407E-A947-70E740481C1C}">
-                <a14:useLocalDpi xmlns:a14="http://schemas.microsoft.com/office/drawing/2010/main" val="0"/>
-              </a:ext>
-            </a:extLst>
-          </a:blip>
-          <a:stretch>
-            <a:fillRect/>
-          </a:stretch>
-        </p:blipFill>
-        <p:spPr>
-          <a:xfrm>
-            <a:off x="1277898" y="2315760"/>
-            <a:ext cx="3624570" cy="2160000"/>
-          </a:xfrm>
-          <a:prstGeom prst="rect">
-            <a:avLst/>
-          </a:prstGeom>
-        </p:spPr>
-      </p:pic>
-      <p:pic>
-        <p:nvPicPr>
-          <p:cNvPr id="10" name="図 9"/>
-          <p:cNvPicPr>
-            <a:picLocks noChangeAspect="1"/>
-          </p:cNvPicPr>
-          <p:nvPr/>
-        </p:nvPicPr>
-        <p:blipFill>
-          <a:blip r:embed="rId4">
-            <a:extLst>
-              <a:ext uri="{28A0092B-C50C-407E-A947-70E740481C1C}">
-                <a14:useLocalDpi xmlns:a14="http://schemas.microsoft.com/office/drawing/2010/main" val="0"/>
-              </a:ext>
-            </a:extLst>
-          </a:blip>
-          <a:stretch>
-            <a:fillRect/>
-          </a:stretch>
-        </p:blipFill>
-        <p:spPr>
-          <a:xfrm>
-            <a:off x="1277898" y="155760"/>
-            <a:ext cx="3624570" cy="2160000"/>
-          </a:xfrm>
-          <a:prstGeom prst="rect">
-            <a:avLst/>
-          </a:prstGeom>
-        </p:spPr>
-      </p:pic>
-      <p:pic>
-        <p:nvPicPr>
-          <p:cNvPr id="11" name="図 10"/>
-          <p:cNvPicPr>
-            <a:picLocks noChangeAspect="1"/>
-          </p:cNvPicPr>
-          <p:nvPr/>
-        </p:nvPicPr>
-        <p:blipFill>
-          <a:blip r:embed="rId5">
-            <a:extLst>
-              <a:ext uri="{28A0092B-C50C-407E-A947-70E740481C1C}">
-                <a14:useLocalDpi xmlns:a14="http://schemas.microsoft.com/office/drawing/2010/main" val="0"/>
-              </a:ext>
-            </a:extLst>
-          </a:blip>
-          <a:stretch>
-            <a:fillRect/>
-          </a:stretch>
-        </p:blipFill>
-        <p:spPr>
-          <a:xfrm>
-            <a:off x="7197333" y="2315760"/>
-            <a:ext cx="3669436" cy="2160000"/>
-          </a:xfrm>
-          <a:prstGeom prst="rect">
-            <a:avLst/>
-          </a:prstGeom>
-        </p:spPr>
-      </p:pic>
-      <p:pic>
-        <p:nvPicPr>
-          <p:cNvPr id="12" name="図 11"/>
-          <p:cNvPicPr>
-            <a:picLocks noChangeAspect="1"/>
-          </p:cNvPicPr>
-          <p:nvPr/>
-        </p:nvPicPr>
-        <p:blipFill>
-          <a:blip r:embed="rId6">
-            <a:extLst>
-              <a:ext uri="{28A0092B-C50C-407E-A947-70E740481C1C}">
-                <a14:useLocalDpi xmlns:a14="http://schemas.microsoft.com/office/drawing/2010/main" val="0"/>
-              </a:ext>
-            </a:extLst>
-          </a:blip>
-          <a:stretch>
-            <a:fillRect/>
-          </a:stretch>
-        </p:blipFill>
-        <p:spPr>
-          <a:xfrm>
-            <a:off x="7197333" y="155760"/>
-            <a:ext cx="3624570" cy="2160000"/>
-          </a:xfrm>
-          <a:prstGeom prst="rect">
-            <a:avLst/>
-          </a:prstGeom>
-        </p:spPr>
-      </p:pic>
-      <p:pic>
-        <p:nvPicPr>
-          <p:cNvPr id="13" name="図 12"/>
-          <p:cNvPicPr>
-            <a:picLocks noChangeAspect="1"/>
-          </p:cNvPicPr>
-          <p:nvPr/>
-        </p:nvPicPr>
-        <p:blipFill>
-          <a:blip r:embed="rId7">
-            <a:extLst>
-              <a:ext uri="{28A0092B-C50C-407E-A947-70E740481C1C}">
-                <a14:useLocalDpi xmlns:a14="http://schemas.microsoft.com/office/drawing/2010/main" val="0"/>
-              </a:ext>
-            </a:extLst>
-          </a:blip>
-          <a:stretch>
-            <a:fillRect/>
-          </a:stretch>
-        </p:blipFill>
-        <p:spPr>
-          <a:xfrm>
-            <a:off x="7197333" y="4475760"/>
-            <a:ext cx="3624570" cy="2160000"/>
-          </a:xfrm>
-          <a:prstGeom prst="rect">
-            <a:avLst/>
-          </a:prstGeom>
-        </p:spPr>
-      </p:pic>
-      <p:sp>
-        <p:nvSpPr>
-          <p:cNvPr id="2" name="テキスト ボックス 1"/>
-          <p:cNvSpPr txBox="1"/>
-          <p:nvPr/>
-        </p:nvSpPr>
-        <p:spPr>
-          <a:xfrm>
-            <a:off x="4897030" y="3103372"/>
-            <a:ext cx="2305741" cy="584775"/>
-          </a:xfrm>
-          <a:prstGeom prst="rect">
-            <a:avLst/>
-          </a:prstGeom>
-          <a:noFill/>
-        </p:spPr>
-        <p:txBody>
-          <a:bodyPr wrap="square" rtlCol="0">
-            <a:spAutoFit/>
-          </a:bodyPr>
-          <a:lstStyle/>
-          <a:p>
-            <a:r>
-              <a:rPr kumimoji="1" lang="ja-JP" altLang="en-US" sz="3200" dirty="0" smtClean="0"/>
-              <a:t>セ・リーグ</a:t>
-            </a:r>
-            <a:endParaRPr kumimoji="1" lang="ja-JP" altLang="en-US" sz="3200" dirty="0"/>
-          </a:p>
-        </p:txBody>
-      </p:sp>
-    </p:spTree>
-    <p:extLst>
-      <p:ext uri="{BB962C8B-B14F-4D97-AF65-F5344CB8AC3E}">
-        <p14:creationId xmlns:p14="http://schemas.microsoft.com/office/powerpoint/2010/main" val="874483388"/>
-      </p:ext>
-    </p:extLst>
-  </p:cSld>
-  <p:clrMapOvr>
-    <a:masterClrMapping/>
-  </p:clrMapOvr>
-  <p:timing>
-    <p:tnLst>
-      <p:par>
-        <p:cTn id="1" dur="indefinite" restart="never" nodeType="tmRoot"/>
-      </p:par>
-    </p:tnLst>
-  </p:timing>
-</p:sld>
-</file>
-
-<file path=ppt/slides/slide11.xml><?xml version="1.0" encoding="utf-8"?>
 <p:sld xmlns:a="http://schemas.openxmlformats.org/drawingml/2006/main" xmlns:r="http://schemas.openxmlformats.org/officeDocument/2006/relationships" xmlns:p="http://schemas.openxmlformats.org/presentationml/2006/main">
   <p:cSld>
     <p:spTree>
@@ -3838,6 +3612,175 @@
 </p:sld>
 </file>
 
+<file path=ppt/slides/slide11.xml><?xml version="1.0" encoding="utf-8"?>
+<p:sld xmlns:a="http://schemas.openxmlformats.org/drawingml/2006/main" xmlns:r="http://schemas.openxmlformats.org/officeDocument/2006/relationships" xmlns:p="http://schemas.openxmlformats.org/presentationml/2006/main">
+  <p:cSld>
+    <p:spTree>
+      <p:nvGrpSpPr>
+        <p:cNvPr id="1" name=""/>
+        <p:cNvGrpSpPr/>
+        <p:nvPr/>
+      </p:nvGrpSpPr>
+      <p:grpSpPr>
+        <a:xfrm>
+          <a:off x="0" y="0"/>
+          <a:ext cx="0" cy="0"/>
+          <a:chOff x="0" y="0"/>
+          <a:chExt cx="0" cy="0"/>
+        </a:xfrm>
+      </p:grpSpPr>
+      <p:sp>
+        <p:nvSpPr>
+          <p:cNvPr id="2" name="タイトル 1"/>
+          <p:cNvSpPr>
+            <a:spLocks noGrp="1"/>
+          </p:cNvSpPr>
+          <p:nvPr>
+            <p:ph type="title"/>
+          </p:nvPr>
+        </p:nvSpPr>
+        <p:spPr/>
+        <p:txBody>
+          <a:bodyPr/>
+          <a:lstStyle/>
+          <a:p>
+            <a:r>
+              <a:rPr kumimoji="1" lang="ja-JP" altLang="en-US" dirty="0" smtClean="0"/>
+              <a:t>チームごとの分析結果</a:t>
+            </a:r>
+            <a:endParaRPr kumimoji="1" lang="ja-JP" altLang="en-US" dirty="0"/>
+          </a:p>
+        </p:txBody>
+      </p:sp>
+      <p:sp>
+        <p:nvSpPr>
+          <p:cNvPr id="3" name="コンテンツ プレースホルダー 2"/>
+          <p:cNvSpPr>
+            <a:spLocks noGrp="1"/>
+          </p:cNvSpPr>
+          <p:nvPr>
+            <p:ph idx="1"/>
+          </p:nvPr>
+        </p:nvSpPr>
+        <p:spPr/>
+        <p:txBody>
+          <a:bodyPr/>
+          <a:lstStyle/>
+          <a:p>
+            <a:r>
+              <a:rPr kumimoji="1" lang="ja-JP" altLang="en-US" dirty="0" smtClean="0"/>
+              <a:t>チームに</a:t>
+            </a:r>
+            <a:r>
+              <a:rPr kumimoji="1" lang="ja-JP" altLang="en-US" dirty="0" smtClean="0"/>
+              <a:t>よって</a:t>
+            </a:r>
+            <a:r>
+              <a:rPr kumimoji="1" lang="en-US" altLang="ja-JP" dirty="0" smtClean="0"/>
+              <a:t>, </a:t>
+            </a:r>
+            <a:r>
+              <a:rPr kumimoji="1" lang="ja-JP" altLang="en-US" dirty="0" smtClean="0"/>
+              <a:t>その</a:t>
+            </a:r>
+            <a:r>
+              <a:rPr kumimoji="1" lang="ja-JP" altLang="en-US" dirty="0" smtClean="0"/>
+              <a:t>イニングの攻撃</a:t>
+            </a:r>
+            <a:r>
+              <a:rPr kumimoji="1" lang="ja-JP" altLang="en-US" dirty="0" smtClean="0"/>
+              <a:t>だけ</a:t>
+            </a:r>
+            <a:r>
+              <a:rPr lang="ja-JP" altLang="en-US" dirty="0"/>
+              <a:t>　</a:t>
+            </a:r>
+            <a:r>
+              <a:rPr lang="ja-JP" altLang="en-US" dirty="0" smtClean="0"/>
+              <a:t>　　　　　　　　</a:t>
+            </a:r>
+            <a:r>
+              <a:rPr kumimoji="1" lang="ja-JP" altLang="en-US" dirty="0" smtClean="0"/>
+              <a:t>孤立</a:t>
+            </a:r>
+            <a:r>
+              <a:rPr kumimoji="1" lang="ja-JP" altLang="en-US" dirty="0" smtClean="0"/>
+              <a:t>している</a:t>
+            </a:r>
+            <a:r>
+              <a:rPr kumimoji="1" lang="en-US" altLang="ja-JP" dirty="0" smtClean="0"/>
+              <a:t>(=</a:t>
+            </a:r>
+            <a:r>
+              <a:rPr kumimoji="1" lang="ja-JP" altLang="en-US" dirty="0" smtClean="0"/>
+              <a:t>色が濃い</a:t>
+            </a:r>
+            <a:r>
+              <a:rPr kumimoji="1" lang="en-US" altLang="ja-JP" dirty="0" smtClean="0"/>
+              <a:t>)</a:t>
+            </a:r>
+            <a:r>
+              <a:rPr kumimoji="1" lang="ja-JP" altLang="en-US" dirty="0" smtClean="0"/>
+              <a:t>イニングがあっ</a:t>
+            </a:r>
+            <a:r>
+              <a:rPr kumimoji="1" lang="ja-JP" altLang="en-US" dirty="0" smtClean="0"/>
+              <a:t>たりなかったり　　</a:t>
+            </a:r>
+            <a:r>
+              <a:rPr kumimoji="1" lang="en-US" altLang="ja-JP" dirty="0" smtClean="0"/>
+              <a:t> (ex. </a:t>
+            </a:r>
+            <a:r>
+              <a:rPr kumimoji="1" lang="ja-JP" altLang="en-US" dirty="0" smtClean="0"/>
+              <a:t>広島</a:t>
+            </a:r>
+            <a:r>
+              <a:rPr kumimoji="1" lang="en-US" altLang="ja-JP" dirty="0" smtClean="0"/>
+              <a:t>, </a:t>
+            </a:r>
+            <a:r>
+              <a:rPr kumimoji="1" lang="ja-JP" altLang="en-US" dirty="0" smtClean="0"/>
+              <a:t>阪神</a:t>
+            </a:r>
+            <a:r>
+              <a:rPr kumimoji="1" lang="en-US" altLang="ja-JP" dirty="0" smtClean="0"/>
+              <a:t>)</a:t>
+            </a:r>
+            <a:endParaRPr kumimoji="1" lang="en-US" altLang="ja-JP" dirty="0" smtClean="0"/>
+          </a:p>
+          <a:p>
+            <a:endParaRPr lang="en-US" altLang="ja-JP" dirty="0"/>
+          </a:p>
+          <a:p>
+            <a:r>
+              <a:rPr kumimoji="1" lang="ja-JP" altLang="en-US" dirty="0" smtClean="0"/>
+              <a:t>パリーグのほうが全体的に濃い</a:t>
+            </a:r>
+            <a:endParaRPr kumimoji="1" lang="ja-JP" altLang="en-US" dirty="0"/>
+          </a:p>
+        </p:txBody>
+      </p:sp>
+    </p:spTree>
+    <p:extLst>
+      <p:ext uri="{BB962C8B-B14F-4D97-AF65-F5344CB8AC3E}">
+        <p14:creationId xmlns:p14="http://schemas.microsoft.com/office/powerpoint/2010/main" val="1904231434"/>
+      </p:ext>
+    </p:extLst>
+  </p:cSld>
+  <p:clrMapOvr>
+    <a:masterClrMapping/>
+  </p:clrMapOvr>
+  <p:timing>
+    <p:tnLst>
+      <p:par>
+        <p:cTn id="1" dur="indefinite" restart="never" nodeType="tmRoot"/>
+      </p:par>
+    </p:tnLst>
+  </p:timing>
+</p:sld>
+</file>
+
 <file path=ppt/slides/slide12.xml><?xml version="1.0" encoding="utf-8"?>
 <p:sld xmlns:a="http://schemas.openxmlformats.org/drawingml/2006/main" xmlns:r="http://schemas.openxmlformats.org/officeDocument/2006/relationships" xmlns:p="http://schemas.openxmlformats.org/presentationml/2006/main">
   <p:cSld>
@@ -3903,6 +3846,13 @@
   <p:clrMapOvr>
     <a:masterClrMapping/>
   </p:clrMapOvr>
+  <p:timing>
+    <p:tnLst>
+      <p:par>
+        <p:cTn id="1" dur="indefinite" restart="never" nodeType="tmRoot"/>
+      </p:par>
+    </p:tnLst>
+  </p:timing>
 </p:sld>
 </file>
 
@@ -3946,107 +3896,424 @@
           </a:p>
         </p:txBody>
       </p:sp>
-      <p:sp>
-        <p:nvSpPr>
-          <p:cNvPr id="3" name="コンテンツ プレースホルダー 2"/>
-          <p:cNvSpPr>
-            <a:spLocks noGrp="1"/>
-          </p:cNvSpPr>
-          <p:nvPr>
-            <p:ph idx="1"/>
-          </p:nvPr>
-        </p:nvSpPr>
-        <p:spPr/>
-        <p:txBody>
-          <a:bodyPr/>
-          <a:lstStyle/>
-          <a:p>
-            <a:r>
-              <a:rPr kumimoji="1" lang="en-US" altLang="ja-JP" dirty="0" smtClean="0"/>
-              <a:t>St</a:t>
-            </a:r>
-            <a:r>
-              <a:rPr kumimoji="1" lang="ja-JP" altLang="en-US" dirty="0" smtClean="0"/>
-              <a:t>が同じでも</a:t>
-            </a:r>
-            <a:r>
-              <a:rPr kumimoji="1" lang="en-US" altLang="ja-JP" dirty="0" smtClean="0"/>
-              <a:t>St-1</a:t>
-            </a:r>
-            <a:r>
-              <a:rPr kumimoji="1" lang="ja-JP" altLang="en-US" dirty="0" smtClean="0"/>
-              <a:t>が違えば</a:t>
-            </a:r>
-            <a:r>
-              <a:rPr kumimoji="1" lang="en-US" altLang="ja-JP" dirty="0" smtClean="0"/>
-              <a:t>St+1</a:t>
-            </a:r>
-            <a:r>
-              <a:rPr kumimoji="1" lang="ja-JP" altLang="en-US" dirty="0" smtClean="0"/>
-              <a:t>の分布は違うのでは</a:t>
-            </a:r>
-            <a:r>
-              <a:rPr lang="ja-JP" altLang="en-US" dirty="0" smtClean="0"/>
-              <a:t>？というお話</a:t>
-            </a:r>
-            <a:endParaRPr lang="en-US" altLang="ja-JP" dirty="0" smtClean="0"/>
-          </a:p>
-          <a:p>
-            <a:endParaRPr lang="en-US" altLang="ja-JP" dirty="0"/>
-          </a:p>
-          <a:p>
-            <a:r>
-              <a:rPr lang="ja-JP" altLang="en-US" dirty="0" smtClean="0"/>
-              <a:t>次のスライドが</a:t>
-            </a:r>
-            <a:r>
-              <a:rPr lang="en-US" altLang="ja-JP" dirty="0" smtClean="0"/>
-              <a:t>St = 1out1base</a:t>
-            </a:r>
-            <a:r>
-              <a:rPr lang="ja-JP" altLang="en-US" dirty="0" smtClean="0"/>
-              <a:t>の時のチームごとの結果</a:t>
-            </a:r>
-            <a:endParaRPr lang="en-US" altLang="ja-JP" dirty="0" smtClean="0"/>
-          </a:p>
-          <a:p>
-            <a:r>
-              <a:rPr lang="ja-JP" altLang="en-US" dirty="0" smtClean="0"/>
-              <a:t>割とチームごとの違いが出ている印象</a:t>
-            </a:r>
-            <a:endParaRPr lang="en-US" altLang="ja-JP" dirty="0" smtClean="0"/>
-          </a:p>
-          <a:p>
-            <a:r>
-              <a:rPr lang="ja-JP" altLang="en-US" dirty="0" smtClean="0"/>
-              <a:t>巨人とか</a:t>
-            </a:r>
-            <a:r>
-              <a:rPr lang="en-US" altLang="ja-JP" dirty="0" smtClean="0"/>
-              <a:t>2out2base</a:t>
-            </a:r>
-            <a:r>
-              <a:rPr lang="ja-JP" altLang="en-US" dirty="0" smtClean="0"/>
-              <a:t>のところが全然違うから送りバントを選択するかどうかが</a:t>
-            </a:r>
-            <a:r>
-              <a:rPr lang="en-US" altLang="ja-JP" dirty="0" smtClean="0"/>
-              <a:t>St-1</a:t>
-            </a:r>
-            <a:r>
-              <a:rPr lang="ja-JP" altLang="en-US" dirty="0" smtClean="0"/>
-              <a:t>に依存してるんだろうかとか</a:t>
-            </a:r>
-            <a:endParaRPr lang="en-US" altLang="ja-JP" dirty="0" smtClean="0"/>
-          </a:p>
-          <a:p>
-            <a:endParaRPr lang="en-US" altLang="ja-JP" dirty="0"/>
-          </a:p>
-          <a:p>
-            <a:endParaRPr lang="en-US" altLang="ja-JP" dirty="0" smtClean="0"/>
-          </a:p>
-        </p:txBody>
-      </p:sp>
+      <mc:AlternateContent xmlns:mc="http://schemas.openxmlformats.org/markup-compatibility/2006">
+        <mc:Choice xmlns:a14="http://schemas.microsoft.com/office/drawing/2010/main" Requires="a14">
+          <p:sp>
+            <p:nvSpPr>
+              <p:cNvPr id="3" name="コンテンツ プレースホルダー 2"/>
+              <p:cNvSpPr>
+                <a:spLocks noGrp="1"/>
+              </p:cNvSpPr>
+              <p:nvPr>
+                <p:ph idx="1"/>
+              </p:nvPr>
+            </p:nvSpPr>
+            <p:spPr>
+              <a:xfrm>
+                <a:off x="838199" y="1825625"/>
+                <a:ext cx="10727267" cy="4351338"/>
+              </a:xfrm>
+            </p:spPr>
+            <p:txBody>
+              <a:bodyPr/>
+              <a:lstStyle/>
+              <a:p>
+                <a14:m>
+                  <m:oMath xmlns:m="http://schemas.openxmlformats.org/officeDocument/2006/math">
+                    <m:sSub>
+                      <m:sSubPr>
+                        <m:ctrlPr>
+                          <a:rPr kumimoji="1" lang="en-US" altLang="ja-JP" i="1" smtClean="0">
+                            <a:latin typeface="Cambria Math" charset="0"/>
+                          </a:rPr>
+                        </m:ctrlPr>
+                      </m:sSubPr>
+                      <m:e>
+                        <m:r>
+                          <m:rPr>
+                            <m:sty m:val="p"/>
+                          </m:rPr>
+                          <a:rPr lang="en-US" altLang="ja-JP" i="1">
+                            <a:latin typeface="Cambria Math" charset="0"/>
+                          </a:rPr>
+                          <m:t>S</m:t>
+                        </m:r>
+                      </m:e>
+                      <m:sub>
+                        <m:r>
+                          <m:rPr>
+                            <m:sty m:val="p"/>
+                          </m:rPr>
+                          <a:rPr lang="en-US" altLang="ja-JP" i="1">
+                            <a:latin typeface="Cambria Math" charset="0"/>
+                          </a:rPr>
+                          <m:t>t</m:t>
+                        </m:r>
+                      </m:sub>
+                    </m:sSub>
+                  </m:oMath>
+                </a14:m>
+                <a:r>
+                  <a:rPr kumimoji="1" lang="ja-JP" altLang="en-US" dirty="0" smtClean="0"/>
+                  <a:t>が</a:t>
+                </a:r>
+                <a:r>
+                  <a:rPr kumimoji="1" lang="ja-JP" altLang="en-US" dirty="0" smtClean="0"/>
+                  <a:t>同じでも</a:t>
+                </a:r>
+                <a14:m>
+                  <m:oMath xmlns:m="http://schemas.openxmlformats.org/officeDocument/2006/math">
+                    <m:sSub>
+                      <m:sSubPr>
+                        <m:ctrlPr>
+                          <a:rPr lang="en-US" altLang="ja-JP" i="1">
+                            <a:latin typeface="Cambria Math" charset="0"/>
+                          </a:rPr>
+                        </m:ctrlPr>
+                      </m:sSubPr>
+                      <m:e>
+                        <m:r>
+                          <m:rPr>
+                            <m:sty m:val="p"/>
+                          </m:rPr>
+                          <a:rPr lang="en-US" altLang="ja-JP" i="1">
+                            <a:latin typeface="Cambria Math" charset="0"/>
+                          </a:rPr>
+                          <m:t>S</m:t>
+                        </m:r>
+                      </m:e>
+                      <m:sub>
+                        <m:r>
+                          <a:rPr lang="en-US" altLang="ja-JP" b="0" i="1" smtClean="0">
+                            <a:latin typeface="Cambria Math" charset="0"/>
+                          </a:rPr>
+                          <m:t>𝑡</m:t>
+                        </m:r>
+                        <m:r>
+                          <a:rPr lang="en-US" altLang="ja-JP" b="0" i="1" smtClean="0">
+                            <a:latin typeface="Cambria Math" charset="0"/>
+                          </a:rPr>
+                          <m:t>−1</m:t>
+                        </m:r>
+                      </m:sub>
+                    </m:sSub>
+                  </m:oMath>
+                </a14:m>
+                <a:r>
+                  <a:rPr kumimoji="1" lang="ja-JP" altLang="en-US" dirty="0" smtClean="0"/>
+                  <a:t>が違えば</a:t>
+                </a:r>
+                <a14:m>
+                  <m:oMath xmlns:m="http://schemas.openxmlformats.org/officeDocument/2006/math">
+                    <m:sSub>
+                      <m:sSubPr>
+                        <m:ctrlPr>
+                          <a:rPr lang="en-US" altLang="ja-JP" i="1">
+                            <a:latin typeface="Cambria Math" charset="0"/>
+                          </a:rPr>
+                        </m:ctrlPr>
+                      </m:sSubPr>
+                      <m:e>
+                        <m:r>
+                          <m:rPr>
+                            <m:sty m:val="p"/>
+                          </m:rPr>
+                          <a:rPr lang="en-US" altLang="ja-JP" i="1">
+                            <a:latin typeface="Cambria Math" charset="0"/>
+                          </a:rPr>
+                          <m:t>S</m:t>
+                        </m:r>
+                      </m:e>
+                      <m:sub>
+                        <m:r>
+                          <m:rPr>
+                            <m:sty m:val="p"/>
+                          </m:rPr>
+                          <a:rPr lang="en-US" altLang="ja-JP" i="1">
+                            <a:latin typeface="Cambria Math" charset="0"/>
+                          </a:rPr>
+                          <m:t>t</m:t>
+                        </m:r>
+                        <m:r>
+                          <a:rPr lang="en-US" altLang="ja-JP" b="0" i="1" smtClean="0">
+                            <a:latin typeface="Cambria Math" charset="0"/>
+                          </a:rPr>
+                          <m:t>+1</m:t>
+                        </m:r>
+                      </m:sub>
+                    </m:sSub>
+                  </m:oMath>
+                </a14:m>
+                <a:r>
+                  <a:rPr kumimoji="1" lang="ja-JP" altLang="en-US" dirty="0" smtClean="0"/>
+                  <a:t>の分布は違うのでは</a:t>
+                </a:r>
+                <a:r>
+                  <a:rPr lang="ja-JP" altLang="en-US" dirty="0" smtClean="0"/>
+                  <a:t>？という</a:t>
+                </a:r>
+                <a:r>
+                  <a:rPr lang="ja-JP" altLang="en-US" dirty="0" smtClean="0"/>
+                  <a:t>仮説</a:t>
+                </a:r>
+                <a:endParaRPr lang="en-US" altLang="ja-JP" dirty="0"/>
+              </a:p>
+              <a:p>
+                <a:endParaRPr lang="en-US" altLang="ja-JP" dirty="0" smtClean="0"/>
+              </a:p>
+              <a:p>
+                <a:r>
+                  <a:rPr lang="ja-JP" altLang="en-US" dirty="0" smtClean="0"/>
+                  <a:t>ある</a:t>
+                </a:r>
+                <a14:m>
+                  <m:oMath xmlns:m="http://schemas.openxmlformats.org/officeDocument/2006/math">
+                    <m:sSub>
+                      <m:sSubPr>
+                        <m:ctrlPr>
+                          <a:rPr lang="en-US" altLang="ja-JP" i="1">
+                            <a:latin typeface="Cambria Math" charset="0"/>
+                          </a:rPr>
+                        </m:ctrlPr>
+                      </m:sSubPr>
+                      <m:e>
+                        <m:r>
+                          <m:rPr>
+                            <m:sty m:val="p"/>
+                          </m:rPr>
+                          <a:rPr lang="en-US" altLang="ja-JP" i="1">
+                            <a:latin typeface="Cambria Math" charset="0"/>
+                          </a:rPr>
+                          <m:t>S</m:t>
+                        </m:r>
+                      </m:e>
+                      <m:sub>
+                        <m:r>
+                          <m:rPr>
+                            <m:sty m:val="p"/>
+                          </m:rPr>
+                          <a:rPr lang="en-US" altLang="ja-JP" i="1">
+                            <a:latin typeface="Cambria Math" charset="0"/>
+                          </a:rPr>
+                          <m:t>t</m:t>
+                        </m:r>
+                      </m:sub>
+                    </m:sSub>
+                  </m:oMath>
+                </a14:m>
+                <a:r>
+                  <a:rPr lang="ja-JP" altLang="en-US" dirty="0" smtClean="0"/>
+                  <a:t>に対して</a:t>
+                </a:r>
+                <a:r>
+                  <a:rPr lang="en-US" altLang="ja-JP" dirty="0" smtClean="0"/>
+                  <a:t>, 2</a:t>
+                </a:r>
+                <a:r>
+                  <a:rPr lang="ja-JP" altLang="en-US" dirty="0" smtClean="0"/>
+                  <a:t>つの異なる</a:t>
+                </a:r>
+                <a14:m>
+                  <m:oMath xmlns:m="http://schemas.openxmlformats.org/officeDocument/2006/math">
+                    <m:sSub>
+                      <m:sSubPr>
+                        <m:ctrlPr>
+                          <a:rPr lang="en-US" altLang="ja-JP" i="1">
+                            <a:latin typeface="Cambria Math" charset="0"/>
+                          </a:rPr>
+                        </m:ctrlPr>
+                      </m:sSubPr>
+                      <m:e>
+                        <m:r>
+                          <m:rPr>
+                            <m:sty m:val="p"/>
+                          </m:rPr>
+                          <a:rPr lang="en-US" altLang="ja-JP" i="1">
+                            <a:latin typeface="Cambria Math" charset="0"/>
+                          </a:rPr>
+                          <m:t>S</m:t>
+                        </m:r>
+                      </m:e>
+                      <m:sub>
+                        <m:r>
+                          <m:rPr>
+                            <m:sty m:val="p"/>
+                          </m:rPr>
+                          <a:rPr lang="en-US" altLang="ja-JP" i="1">
+                            <a:latin typeface="Cambria Math" charset="0"/>
+                          </a:rPr>
+                          <m:t>t</m:t>
+                        </m:r>
+                        <m:r>
+                          <a:rPr lang="en-US" altLang="ja-JP" b="0" i="1" smtClean="0">
+                            <a:latin typeface="Cambria Math" charset="0"/>
+                          </a:rPr>
+                          <m:t>−1</m:t>
+                        </m:r>
+                      </m:sub>
+                    </m:sSub>
+                  </m:oMath>
+                </a14:m>
+                <a:r>
+                  <a:rPr lang="ja-JP" altLang="en-US" dirty="0" smtClean="0"/>
+                  <a:t>を用意し</a:t>
+                </a:r>
+                <a:r>
+                  <a:rPr lang="en-US" altLang="ja-JP" dirty="0" smtClean="0"/>
+                  <a:t>, </a:t>
+                </a:r>
+                <a:r>
+                  <a:rPr lang="ja-JP" altLang="en-US" dirty="0" smtClean="0"/>
+                  <a:t>それぞれの</a:t>
+                </a:r>
+                <a14:m>
+                  <m:oMath xmlns:m="http://schemas.openxmlformats.org/officeDocument/2006/math">
+                    <m:sSub>
+                      <m:sSubPr>
+                        <m:ctrlPr>
+                          <a:rPr lang="en-US" altLang="ja-JP" i="1">
+                            <a:latin typeface="Cambria Math" charset="0"/>
+                          </a:rPr>
+                        </m:ctrlPr>
+                      </m:sSubPr>
+                      <m:e>
+                        <m:r>
+                          <m:rPr>
+                            <m:sty m:val="p"/>
+                          </m:rPr>
+                          <a:rPr lang="en-US" altLang="ja-JP" i="1">
+                            <a:latin typeface="Cambria Math" charset="0"/>
+                          </a:rPr>
+                          <m:t>S</m:t>
+                        </m:r>
+                      </m:e>
+                      <m:sub>
+                        <m:r>
+                          <m:rPr>
+                            <m:sty m:val="p"/>
+                          </m:rPr>
+                          <a:rPr lang="en-US" altLang="ja-JP" i="1">
+                            <a:latin typeface="Cambria Math" charset="0"/>
+                          </a:rPr>
+                          <m:t>t</m:t>
+                        </m:r>
+                        <m:r>
+                          <a:rPr lang="en-US" altLang="ja-JP" b="0" i="1" smtClean="0">
+                            <a:latin typeface="Cambria Math" charset="0"/>
+                          </a:rPr>
+                          <m:t>+1</m:t>
+                        </m:r>
+                      </m:sub>
+                    </m:sSub>
+                  </m:oMath>
+                </a14:m>
+                <a:r>
+                  <a:rPr lang="ja-JP" altLang="en-US" dirty="0" smtClean="0"/>
+                  <a:t>の　　分布の違いを見る</a:t>
+                </a:r>
+                <a:endParaRPr lang="en-US" altLang="ja-JP" dirty="0" smtClean="0"/>
+              </a:p>
+              <a:p>
+                <a:endParaRPr lang="en-US" altLang="ja-JP" dirty="0"/>
+              </a:p>
+              <a:p>
+                <a:r>
+                  <a:rPr lang="ja-JP" altLang="en-US" dirty="0" smtClean="0"/>
+                  <a:t>次のスライドが</a:t>
+                </a:r>
+                <a14:m>
+                  <m:oMath xmlns:m="http://schemas.openxmlformats.org/officeDocument/2006/math">
+                    <m:sSub>
+                      <m:sSubPr>
+                        <m:ctrlPr>
+                          <a:rPr lang="en-US" altLang="ja-JP" i="1">
+                            <a:latin typeface="Cambria Math" charset="0"/>
+                          </a:rPr>
+                        </m:ctrlPr>
+                      </m:sSubPr>
+                      <m:e>
+                        <m:r>
+                          <m:rPr>
+                            <m:sty m:val="p"/>
+                          </m:rPr>
+                          <a:rPr lang="en-US" altLang="ja-JP" i="1">
+                            <a:latin typeface="Cambria Math" charset="0"/>
+                          </a:rPr>
+                          <m:t>S</m:t>
+                        </m:r>
+                      </m:e>
+                      <m:sub>
+                        <m:r>
+                          <m:rPr>
+                            <m:sty m:val="p"/>
+                          </m:rPr>
+                          <a:rPr lang="en-US" altLang="ja-JP" i="1">
+                            <a:latin typeface="Cambria Math" charset="0"/>
+                          </a:rPr>
+                          <m:t>t</m:t>
+                        </m:r>
+                      </m:sub>
+                    </m:sSub>
+                  </m:oMath>
+                </a14:m>
+                <a:r>
+                  <a:rPr lang="en-US" altLang="ja-JP" dirty="0" smtClean="0"/>
+                  <a:t> = 1out1base</a:t>
+                </a:r>
+                <a:r>
+                  <a:rPr lang="ja-JP" altLang="en-US" dirty="0" smtClean="0"/>
+                  <a:t>の時のチームごとの</a:t>
+                </a:r>
+                <a:r>
+                  <a:rPr lang="ja-JP" altLang="en-US" dirty="0" smtClean="0"/>
+                  <a:t>結果</a:t>
+                </a:r>
+                <a:endParaRPr lang="en-US" altLang="ja-JP" dirty="0"/>
+              </a:p>
+              <a:p>
+                <a:endParaRPr lang="en-US" altLang="ja-JP" dirty="0" smtClean="0"/>
+              </a:p>
+            </p:txBody>
+          </p:sp>
+        </mc:Choice>
+        <mc:Fallback>
+          <p:sp>
+            <p:nvSpPr>
+              <p:cNvPr id="3" name="コンテンツ プレースホルダー 2"/>
+              <p:cNvSpPr>
+                <a:spLocks noGrp="1" noRot="1" noChangeAspect="1" noMove="1" noResize="1" noEditPoints="1" noAdjustHandles="1" noChangeArrowheads="1" noChangeShapeType="1" noTextEdit="1"/>
+              </p:cNvSpPr>
+              <p:nvPr>
+                <p:ph idx="1"/>
+              </p:nvPr>
+            </p:nvSpPr>
+            <p:spPr>
+              <a:xfrm>
+                <a:off x="838199" y="1825625"/>
+                <a:ext cx="10727267" cy="4351338"/>
+              </a:xfrm>
+              <a:blipFill rotWithShape="0">
+                <a:blip r:embed="rId2"/>
+                <a:stretch>
+                  <a:fillRect l="-966" t="-2241"/>
+                </a:stretch>
+              </a:blipFill>
+            </p:spPr>
+            <p:txBody>
+              <a:bodyPr/>
+              <a:lstStyle/>
+              <a:p>
+                <a:r>
+                  <a:rPr lang="ja-JP" altLang="en-US">
+                    <a:noFill/>
+                  </a:rPr>
+                  <a:t> </a:t>
+                </a:r>
+              </a:p>
+            </p:txBody>
+          </p:sp>
+        </mc:Fallback>
+      </mc:AlternateContent>
     </p:spTree>
     <p:extLst>
       <p:ext uri="{BB962C8B-B14F-4D97-AF65-F5344CB8AC3E}">
@@ -4057,6 +4324,13 @@
   <p:clrMapOvr>
     <a:masterClrMapping/>
   </p:clrMapOvr>
+  <p:timing>
+    <p:tnLst>
+      <p:par>
+        <p:cTn id="1" dur="indefinite" restart="never" nodeType="tmRoot"/>
+      </p:par>
+    </p:tnLst>
+  </p:timing>
 </p:sld>
 </file>
 
@@ -4548,6 +4822,13 @@
   <p:clrMapOvr>
     <a:masterClrMapping/>
   </p:clrMapOvr>
+  <p:timing>
+    <p:tnLst>
+      <p:par>
+        <p:cTn id="1" dur="indefinite" restart="never" nodeType="tmRoot"/>
+      </p:par>
+    </p:tnLst>
+  </p:timing>
 </p:sld>
 </file>
 
@@ -4568,10 +4849,536 @@
           <a:chExt cx="0" cy="0"/>
         </a:xfrm>
       </p:grpSpPr>
+      <p:sp>
+        <p:nvSpPr>
+          <p:cNvPr id="2" name="タイトル 1"/>
+          <p:cNvSpPr>
+            <a:spLocks noGrp="1"/>
+          </p:cNvSpPr>
+          <p:nvPr>
+            <p:ph type="title"/>
+          </p:nvPr>
+        </p:nvSpPr>
+        <p:spPr/>
+        <p:txBody>
+          <a:bodyPr/>
+          <a:lstStyle/>
+          <a:p>
+            <a:r>
+              <a:rPr kumimoji="1" lang="ja-JP" altLang="en-US" dirty="0" smtClean="0"/>
+              <a:t>考察</a:t>
+            </a:r>
+            <a:endParaRPr kumimoji="1" lang="ja-JP" altLang="en-US" dirty="0"/>
+          </a:p>
+        </p:txBody>
+      </p:sp>
+      <mc:AlternateContent xmlns:mc="http://schemas.openxmlformats.org/markup-compatibility/2006">
+        <mc:Choice xmlns:a14="http://schemas.microsoft.com/office/drawing/2010/main" Requires="a14">
+          <p:sp>
+            <p:nvSpPr>
+              <p:cNvPr id="3" name="コンテンツ プレースホルダー 2"/>
+              <p:cNvSpPr>
+                <a:spLocks noGrp="1"/>
+              </p:cNvSpPr>
+              <p:nvPr>
+                <p:ph idx="1"/>
+              </p:nvPr>
+            </p:nvSpPr>
+            <p:spPr/>
+            <p:txBody>
+              <a:bodyPr/>
+              <a:lstStyle/>
+              <a:p>
+                <a:r>
+                  <a:rPr lang="ja-JP" altLang="en-US" dirty="0" smtClean="0"/>
+                  <a:t>割とチームごとの違いが出ている印象</a:t>
+                </a:r>
+                <a:endParaRPr lang="en-US" altLang="ja-JP" dirty="0"/>
+              </a:p>
+              <a:p>
+                <a:endParaRPr lang="en-US" altLang="ja-JP" dirty="0"/>
+              </a:p>
+              <a:p>
+                <a:r>
+                  <a:rPr lang="ja-JP" altLang="en-US" dirty="0"/>
+                  <a:t>巨人とか</a:t>
+                </a:r>
+                <a:r>
+                  <a:rPr lang="en-US" altLang="ja-JP" dirty="0"/>
+                  <a:t>2out2base</a:t>
+                </a:r>
+                <a:r>
+                  <a:rPr lang="ja-JP" altLang="en-US" dirty="0"/>
+                  <a:t>のところが全然違うから送りバントを　　　選択するかどうかが</a:t>
+                </a:r>
+                <a14:m>
+                  <m:oMath xmlns:m="http://schemas.openxmlformats.org/officeDocument/2006/math">
+                    <m:sSub>
+                      <m:sSubPr>
+                        <m:ctrlPr>
+                          <a:rPr lang="en-US" altLang="ja-JP" i="1">
+                            <a:latin typeface="Cambria Math" charset="0"/>
+                          </a:rPr>
+                        </m:ctrlPr>
+                      </m:sSubPr>
+                      <m:e>
+                        <m:r>
+                          <m:rPr>
+                            <m:sty m:val="p"/>
+                          </m:rPr>
+                          <a:rPr lang="en-US" altLang="ja-JP" i="1">
+                            <a:latin typeface="Cambria Math" charset="0"/>
+                          </a:rPr>
+                          <m:t>S</m:t>
+                        </m:r>
+                      </m:e>
+                      <m:sub>
+                        <m:r>
+                          <m:rPr>
+                            <m:sty m:val="p"/>
+                          </m:rPr>
+                          <a:rPr lang="en-US" altLang="ja-JP" i="1">
+                            <a:latin typeface="Cambria Math" charset="0"/>
+                          </a:rPr>
+                          <m:t>t</m:t>
+                        </m:r>
+                        <m:r>
+                          <a:rPr lang="en-US" altLang="ja-JP" b="0" i="1" smtClean="0">
+                            <a:latin typeface="Cambria Math" charset="0"/>
+                          </a:rPr>
+                          <m:t>−1</m:t>
+                        </m:r>
+                      </m:sub>
+                    </m:sSub>
+                  </m:oMath>
+                </a14:m>
+                <a:r>
+                  <a:rPr lang="ja-JP" altLang="en-US" dirty="0"/>
+                  <a:t>に依存してるんだろうかとか</a:t>
+                </a:r>
+                <a:endParaRPr lang="en-US" altLang="ja-JP" dirty="0"/>
+              </a:p>
+              <a:p>
+                <a:endParaRPr kumimoji="1" lang="ja-JP" altLang="en-US" dirty="0"/>
+              </a:p>
+            </p:txBody>
+          </p:sp>
+        </mc:Choice>
+        <mc:Fallback>
+          <p:sp>
+            <p:nvSpPr>
+              <p:cNvPr id="3" name="コンテンツ プレースホルダー 2"/>
+              <p:cNvSpPr>
+                <a:spLocks noGrp="1" noRot="1" noChangeAspect="1" noMove="1" noResize="1" noEditPoints="1" noAdjustHandles="1" noChangeArrowheads="1" noChangeShapeType="1" noTextEdit="1"/>
+              </p:cNvSpPr>
+              <p:nvPr>
+                <p:ph idx="1"/>
+              </p:nvPr>
+            </p:nvSpPr>
+            <p:spPr>
+              <a:blipFill rotWithShape="0">
+                <a:blip r:embed="rId2"/>
+                <a:stretch>
+                  <a:fillRect l="-1043" t="-2241"/>
+                </a:stretch>
+              </a:blipFill>
+            </p:spPr>
+            <p:txBody>
+              <a:bodyPr/>
+              <a:lstStyle/>
+              <a:p>
+                <a:r>
+                  <a:rPr lang="ja-JP" altLang="en-US">
+                    <a:noFill/>
+                  </a:rPr>
+                  <a:t> </a:t>
+                </a:r>
+              </a:p>
+            </p:txBody>
+          </p:sp>
+        </mc:Fallback>
+      </mc:AlternateContent>
     </p:spTree>
     <p:extLst>
       <p:ext uri="{BB962C8B-B14F-4D97-AF65-F5344CB8AC3E}">
-        <p14:creationId xmlns:p14="http://schemas.microsoft.com/office/powerpoint/2010/main" val="640018966"/>
+        <p14:creationId xmlns:p14="http://schemas.microsoft.com/office/powerpoint/2010/main" val="2088814478"/>
+      </p:ext>
+    </p:extLst>
+  </p:cSld>
+  <p:clrMapOvr>
+    <a:masterClrMapping/>
+  </p:clrMapOvr>
+  <p:timing>
+    <p:tnLst>
+      <p:par>
+        <p:cTn id="1" dur="indefinite" restart="never" nodeType="tmRoot"/>
+      </p:par>
+    </p:tnLst>
+  </p:timing>
+</p:sld>
+</file>
+
+<file path=ppt/slides/slide17.xml><?xml version="1.0" encoding="utf-8"?>
+<p:sld xmlns:a="http://schemas.openxmlformats.org/drawingml/2006/main" xmlns:r="http://schemas.openxmlformats.org/officeDocument/2006/relationships" xmlns:p="http://schemas.openxmlformats.org/presentationml/2006/main">
+  <p:cSld>
+    <p:spTree>
+      <p:nvGrpSpPr>
+        <p:cNvPr id="1" name=""/>
+        <p:cNvGrpSpPr/>
+        <p:nvPr/>
+      </p:nvGrpSpPr>
+      <p:grpSpPr>
+        <a:xfrm>
+          <a:off x="0" y="0"/>
+          <a:ext cx="0" cy="0"/>
+          <a:chOff x="0" y="0"/>
+          <a:chExt cx="0" cy="0"/>
+        </a:xfrm>
+      </p:grpSpPr>
+      <p:sp>
+        <p:nvSpPr>
+          <p:cNvPr id="2" name="タイトル 1"/>
+          <p:cNvSpPr>
+            <a:spLocks noGrp="1"/>
+          </p:cNvSpPr>
+          <p:nvPr>
+            <p:ph type="title"/>
+          </p:nvPr>
+        </p:nvSpPr>
+        <p:spPr/>
+        <p:txBody>
+          <a:bodyPr/>
+          <a:lstStyle/>
+          <a:p>
+            <a:r>
+              <a:rPr kumimoji="1" lang="en-US" altLang="ja-JP" dirty="0" smtClean="0"/>
+              <a:t>1out1base</a:t>
+            </a:r>
+            <a:r>
+              <a:rPr kumimoji="1" lang="ja-JP" altLang="en-US" dirty="0" smtClean="0"/>
+              <a:t>における</a:t>
+            </a:r>
+            <a:r>
+              <a:rPr lang="ja-JP" altLang="en-US" dirty="0" smtClean="0"/>
+              <a:t>統計量と</a:t>
+            </a:r>
+            <a:r>
+              <a:rPr lang="en-US" altLang="ja-JP" dirty="0" smtClean="0"/>
+              <a:t>p</a:t>
+            </a:r>
+            <a:r>
+              <a:rPr lang="ja-JP" altLang="en-US" dirty="0" smtClean="0"/>
+              <a:t>値の比較</a:t>
+            </a:r>
+            <a:endParaRPr kumimoji="1" lang="ja-JP" altLang="en-US" dirty="0"/>
+          </a:p>
+        </p:txBody>
+      </p:sp>
+      <p:pic>
+        <p:nvPicPr>
+          <p:cNvPr id="7" name="図 6"/>
+          <p:cNvPicPr>
+            <a:picLocks noChangeAspect="1"/>
+          </p:cNvPicPr>
+          <p:nvPr/>
+        </p:nvPicPr>
+        <p:blipFill>
+          <a:blip r:embed="rId2">
+            <a:extLst>
+              <a:ext uri="{28A0092B-C50C-407E-A947-70E740481C1C}">
+                <a14:useLocalDpi xmlns:a14="http://schemas.microsoft.com/office/drawing/2010/main" val="0"/>
+              </a:ext>
+            </a:extLst>
+          </a:blip>
+          <a:stretch>
+            <a:fillRect/>
+          </a:stretch>
+        </p:blipFill>
+        <p:spPr>
+          <a:xfrm>
+            <a:off x="1450523" y="2106386"/>
+            <a:ext cx="8740320" cy="1487714"/>
+          </a:xfrm>
+          <a:prstGeom prst="rect">
+            <a:avLst/>
+          </a:prstGeom>
+        </p:spPr>
+      </p:pic>
+      <p:pic>
+        <p:nvPicPr>
+          <p:cNvPr id="8" name="図 7"/>
+          <p:cNvPicPr>
+            <a:picLocks noChangeAspect="1"/>
+          </p:cNvPicPr>
+          <p:nvPr/>
+        </p:nvPicPr>
+        <p:blipFill>
+          <a:blip r:embed="rId3">
+            <a:extLst>
+              <a:ext uri="{28A0092B-C50C-407E-A947-70E740481C1C}">
+                <a14:useLocalDpi xmlns:a14="http://schemas.microsoft.com/office/drawing/2010/main" val="0"/>
+              </a:ext>
+            </a:extLst>
+          </a:blip>
+          <a:stretch>
+            <a:fillRect/>
+          </a:stretch>
+        </p:blipFill>
+        <p:spPr>
+          <a:xfrm>
+            <a:off x="1450523" y="4009798"/>
+            <a:ext cx="8740320" cy="1486942"/>
+          </a:xfrm>
+          <a:prstGeom prst="rect">
+            <a:avLst/>
+          </a:prstGeom>
+        </p:spPr>
+      </p:pic>
+    </p:spTree>
+    <p:extLst>
+      <p:ext uri="{BB962C8B-B14F-4D97-AF65-F5344CB8AC3E}">
+        <p14:creationId xmlns:p14="http://schemas.microsoft.com/office/powerpoint/2010/main" val="637631571"/>
+      </p:ext>
+    </p:extLst>
+  </p:cSld>
+  <p:clrMapOvr>
+    <a:masterClrMapping/>
+  </p:clrMapOvr>
+  <p:timing>
+    <p:tnLst>
+      <p:par>
+        <p:cTn id="1" dur="indefinite" restart="never" nodeType="tmRoot"/>
+      </p:par>
+    </p:tnLst>
+  </p:timing>
+</p:sld>
+</file>
+
+<file path=ppt/slides/slide18.xml><?xml version="1.0" encoding="utf-8"?>
+<p:sld xmlns:a="http://schemas.openxmlformats.org/drawingml/2006/main" xmlns:r="http://schemas.openxmlformats.org/officeDocument/2006/relationships" xmlns:p="http://schemas.openxmlformats.org/presentationml/2006/main">
+  <p:cSld>
+    <p:spTree>
+      <p:nvGrpSpPr>
+        <p:cNvPr id="1" name=""/>
+        <p:cNvGrpSpPr/>
+        <p:nvPr/>
+      </p:nvGrpSpPr>
+      <p:grpSpPr>
+        <a:xfrm>
+          <a:off x="0" y="0"/>
+          <a:ext cx="0" cy="0"/>
+          <a:chOff x="0" y="0"/>
+          <a:chExt cx="0" cy="0"/>
+        </a:xfrm>
+      </p:grpSpPr>
+      <p:sp>
+        <p:nvSpPr>
+          <p:cNvPr id="2" name="タイトル 1"/>
+          <p:cNvSpPr>
+            <a:spLocks noGrp="1"/>
+          </p:cNvSpPr>
+          <p:nvPr>
+            <p:ph type="title"/>
+          </p:nvPr>
+        </p:nvSpPr>
+        <p:spPr/>
+        <p:txBody>
+          <a:bodyPr/>
+          <a:lstStyle/>
+          <a:p>
+            <a:r>
+              <a:rPr kumimoji="1" lang="ja-JP" altLang="en-US" dirty="0" smtClean="0"/>
+              <a:t>今後やること</a:t>
+            </a:r>
+            <a:endParaRPr kumimoji="1" lang="ja-JP" altLang="en-US" dirty="0"/>
+          </a:p>
+        </p:txBody>
+      </p:sp>
+      <p:sp>
+        <p:nvSpPr>
+          <p:cNvPr id="3" name="コンテンツ プレースホルダー 2"/>
+          <p:cNvSpPr>
+            <a:spLocks noGrp="1"/>
+          </p:cNvSpPr>
+          <p:nvPr>
+            <p:ph idx="1"/>
+          </p:nvPr>
+        </p:nvSpPr>
+        <p:spPr/>
+        <p:txBody>
+          <a:bodyPr/>
+          <a:lstStyle/>
+          <a:p>
+            <a:pPr>
+              <a:lnSpc>
+                <a:spcPct val="100000"/>
+              </a:lnSpc>
+              <a:spcBef>
+                <a:spcPts val="0"/>
+              </a:spcBef>
+            </a:pPr>
+            <a:r>
+              <a:rPr kumimoji="1" lang="en-US" altLang="ja-JP" dirty="0" smtClean="0"/>
+              <a:t>Markov chain</a:t>
+            </a:r>
+            <a:r>
+              <a:rPr kumimoji="1" lang="ja-JP" altLang="en-US" dirty="0" smtClean="0"/>
+              <a:t>によるアプローチ</a:t>
+            </a:r>
+            <a:endParaRPr kumimoji="1" lang="en-US" altLang="ja-JP" dirty="0" smtClean="0"/>
+          </a:p>
+          <a:p>
+            <a:pPr>
+              <a:lnSpc>
+                <a:spcPct val="100000"/>
+              </a:lnSpc>
+              <a:spcBef>
+                <a:spcPts val="0"/>
+              </a:spcBef>
+            </a:pPr>
+            <a:endParaRPr lang="en-US" altLang="ja-JP" dirty="0"/>
+          </a:p>
+          <a:p>
+            <a:pPr>
+              <a:lnSpc>
+                <a:spcPct val="100000"/>
+              </a:lnSpc>
+              <a:spcBef>
+                <a:spcPts val="0"/>
+              </a:spcBef>
+            </a:pPr>
+            <a:r>
+              <a:rPr kumimoji="1" lang="ja-JP" altLang="en-US" dirty="0" smtClean="0"/>
+              <a:t>場面や試合の重要性で分けて細かく見る</a:t>
+            </a:r>
+            <a:endParaRPr kumimoji="1" lang="en-US" altLang="ja-JP" dirty="0" smtClean="0"/>
+          </a:p>
+          <a:p>
+            <a:pPr>
+              <a:lnSpc>
+                <a:spcPct val="100000"/>
+              </a:lnSpc>
+              <a:spcBef>
+                <a:spcPts val="0"/>
+              </a:spcBef>
+            </a:pPr>
+            <a:endParaRPr lang="en-US" altLang="ja-JP" dirty="0"/>
+          </a:p>
+          <a:p>
+            <a:pPr>
+              <a:lnSpc>
+                <a:spcPct val="100000"/>
+              </a:lnSpc>
+              <a:spcBef>
+                <a:spcPts val="0"/>
+              </a:spcBef>
+            </a:pPr>
+            <a:r>
+              <a:rPr lang="en-US" altLang="ja-JP" dirty="0" smtClean="0"/>
+              <a:t>MLB</a:t>
+            </a:r>
+            <a:r>
+              <a:rPr lang="ja-JP" altLang="en-US" dirty="0" smtClean="0"/>
+              <a:t>との比較</a:t>
+            </a:r>
+            <a:r>
+              <a:rPr lang="en-US" altLang="ja-JP" dirty="0" smtClean="0"/>
+              <a:t>???</a:t>
+            </a:r>
+            <a:endParaRPr lang="en-US" altLang="ja-JP" dirty="0"/>
+          </a:p>
+          <a:p>
+            <a:pPr>
+              <a:lnSpc>
+                <a:spcPct val="100000"/>
+              </a:lnSpc>
+              <a:spcBef>
+                <a:spcPts val="0"/>
+              </a:spcBef>
+            </a:pPr>
+            <a:endParaRPr kumimoji="1" lang="ja-JP" altLang="en-US" dirty="0"/>
+          </a:p>
+        </p:txBody>
+      </p:sp>
+    </p:spTree>
+    <p:extLst>
+      <p:ext uri="{BB962C8B-B14F-4D97-AF65-F5344CB8AC3E}">
+        <p14:creationId xmlns:p14="http://schemas.microsoft.com/office/powerpoint/2010/main" val="1872831894"/>
+      </p:ext>
+    </p:extLst>
+  </p:cSld>
+  <p:clrMapOvr>
+    <a:masterClrMapping/>
+  </p:clrMapOvr>
+  <p:timing>
+    <p:tnLst>
+      <p:par>
+        <p:cTn id="1" dur="indefinite" restart="never" nodeType="tmRoot"/>
+      </p:par>
+    </p:tnLst>
+  </p:timing>
+</p:sld>
+</file>
+
+<file path=ppt/slides/slide19.xml><?xml version="1.0" encoding="utf-8"?>
+<p:sld xmlns:a="http://schemas.openxmlformats.org/drawingml/2006/main" xmlns:r="http://schemas.openxmlformats.org/officeDocument/2006/relationships" xmlns:p="http://schemas.openxmlformats.org/presentationml/2006/main">
+  <p:cSld>
+    <p:spTree>
+      <p:nvGrpSpPr>
+        <p:cNvPr id="1" name=""/>
+        <p:cNvGrpSpPr/>
+        <p:nvPr/>
+      </p:nvGrpSpPr>
+      <p:grpSpPr>
+        <a:xfrm>
+          <a:off x="0" y="0"/>
+          <a:ext cx="0" cy="0"/>
+          <a:chOff x="0" y="0"/>
+          <a:chExt cx="0" cy="0"/>
+        </a:xfrm>
+      </p:grpSpPr>
+      <p:sp>
+        <p:nvSpPr>
+          <p:cNvPr id="2" name="タイトル 1"/>
+          <p:cNvSpPr>
+            <a:spLocks noGrp="1"/>
+          </p:cNvSpPr>
+          <p:nvPr>
+            <p:ph type="title"/>
+          </p:nvPr>
+        </p:nvSpPr>
+        <p:spPr/>
+        <p:txBody>
+          <a:bodyPr/>
+          <a:lstStyle/>
+          <a:p>
+            <a:endParaRPr kumimoji="1" lang="ja-JP" altLang="en-US"/>
+          </a:p>
+        </p:txBody>
+      </p:sp>
+      <p:sp>
+        <p:nvSpPr>
+          <p:cNvPr id="3" name="コンテンツ プレースホルダー 2"/>
+          <p:cNvSpPr>
+            <a:spLocks noGrp="1"/>
+          </p:cNvSpPr>
+          <p:nvPr>
+            <p:ph idx="1"/>
+          </p:nvPr>
+        </p:nvSpPr>
+        <p:spPr/>
+        <p:txBody>
+          <a:bodyPr/>
+          <a:lstStyle/>
+          <a:p>
+            <a:endParaRPr kumimoji="1" lang="ja-JP" altLang="en-US"/>
+          </a:p>
+        </p:txBody>
+      </p:sp>
+    </p:spTree>
+    <p:extLst>
+      <p:ext uri="{BB962C8B-B14F-4D97-AF65-F5344CB8AC3E}">
+        <p14:creationId xmlns:p14="http://schemas.microsoft.com/office/powerpoint/2010/main" val="1934317498"/>
       </p:ext>
     </p:extLst>
   </p:cSld>
@@ -4614,10 +5421,18 @@
           <a:lstStyle/>
           <a:p>
             <a:r>
-              <a:rPr kumimoji="1" lang="ja-JP" altLang="en-US" dirty="0" smtClean="0"/>
+              <a:rPr kumimoji="1" lang="ja-JP" altLang="en-US" dirty="0" smtClean="0">
+                <a:latin typeface="Meiryo レギュラー" charset="-128"/>
+                <a:ea typeface="Meiryo レギュラー" charset="-128"/>
+                <a:cs typeface="Meiryo レギュラー" charset="-128"/>
+              </a:rPr>
               <a:t>注目点</a:t>
             </a:r>
-            <a:endParaRPr kumimoji="1" lang="ja-JP" altLang="en-US" dirty="0"/>
+            <a:endParaRPr kumimoji="1" lang="ja-JP" altLang="en-US" dirty="0">
+              <a:latin typeface="Meiryo レギュラー" charset="-128"/>
+              <a:ea typeface="Meiryo レギュラー" charset="-128"/>
+              <a:cs typeface="Meiryo レギュラー" charset="-128"/>
+            </a:endParaRPr>
           </a:p>
         </p:txBody>
       </p:sp>
@@ -4637,14 +5452,26 @@
           <a:lstStyle/>
           <a:p>
             <a:r>
-              <a:rPr kumimoji="1" lang="en-US" altLang="ja-JP" dirty="0" smtClean="0"/>
+              <a:rPr kumimoji="1" lang="en-US" altLang="ja-JP" dirty="0" smtClean="0">
+                <a:latin typeface="Meiryo レギュラー" charset="-128"/>
+                <a:ea typeface="Meiryo レギュラー" charset="-128"/>
+                <a:cs typeface="Meiryo レギュラー" charset="-128"/>
+              </a:rPr>
               <a:t>(St-1, St, St+1)</a:t>
             </a:r>
             <a:r>
-              <a:rPr kumimoji="1" lang="ja-JP" altLang="en-US" dirty="0" smtClean="0"/>
+              <a:rPr kumimoji="1" lang="ja-JP" altLang="en-US" dirty="0" smtClean="0">
+                <a:latin typeface="Meiryo レギュラー" charset="-128"/>
+                <a:ea typeface="Meiryo レギュラー" charset="-128"/>
+                <a:cs typeface="Meiryo レギュラー" charset="-128"/>
+              </a:rPr>
               <a:t>に注目して分析</a:t>
             </a:r>
-            <a:endParaRPr kumimoji="1" lang="ja-JP" altLang="en-US" dirty="0"/>
+            <a:endParaRPr kumimoji="1" lang="ja-JP" altLang="en-US" dirty="0">
+              <a:latin typeface="Meiryo レギュラー" charset="-128"/>
+              <a:ea typeface="Meiryo レギュラー" charset="-128"/>
+              <a:cs typeface="Meiryo レギュラー" charset="-128"/>
+            </a:endParaRPr>
           </a:p>
         </p:txBody>
       </p:sp>
@@ -4668,6 +5495,142 @@
 </p:sld>
 </file>
 
+<file path=ppt/slides/slide20.xml><?xml version="1.0" encoding="utf-8"?>
+<p:sld xmlns:a="http://schemas.openxmlformats.org/drawingml/2006/main" xmlns:r="http://schemas.openxmlformats.org/officeDocument/2006/relationships" xmlns:p="http://schemas.openxmlformats.org/presentationml/2006/main">
+  <p:cSld>
+    <p:spTree>
+      <p:nvGrpSpPr>
+        <p:cNvPr id="1" name=""/>
+        <p:cNvGrpSpPr/>
+        <p:nvPr/>
+      </p:nvGrpSpPr>
+      <p:grpSpPr>
+        <a:xfrm>
+          <a:off x="0" y="0"/>
+          <a:ext cx="0" cy="0"/>
+          <a:chOff x="0" y="0"/>
+          <a:chExt cx="0" cy="0"/>
+        </a:xfrm>
+      </p:grpSpPr>
+      <p:sp>
+        <p:nvSpPr>
+          <p:cNvPr id="2" name="タイトル 1"/>
+          <p:cNvSpPr>
+            <a:spLocks noGrp="1"/>
+          </p:cNvSpPr>
+          <p:nvPr>
+            <p:ph type="title"/>
+          </p:nvPr>
+        </p:nvSpPr>
+        <p:spPr/>
+        <p:txBody>
+          <a:bodyPr/>
+          <a:lstStyle/>
+          <a:p>
+            <a:endParaRPr kumimoji="1" lang="ja-JP" altLang="en-US"/>
+          </a:p>
+        </p:txBody>
+      </p:sp>
+      <p:sp>
+        <p:nvSpPr>
+          <p:cNvPr id="3" name="コンテンツ プレースホルダー 2"/>
+          <p:cNvSpPr>
+            <a:spLocks noGrp="1"/>
+          </p:cNvSpPr>
+          <p:nvPr>
+            <p:ph idx="1"/>
+          </p:nvPr>
+        </p:nvSpPr>
+        <p:spPr/>
+        <p:txBody>
+          <a:bodyPr/>
+          <a:lstStyle/>
+          <a:p>
+            <a:endParaRPr kumimoji="1" lang="ja-JP" altLang="en-US"/>
+          </a:p>
+        </p:txBody>
+      </p:sp>
+    </p:spTree>
+    <p:extLst>
+      <p:ext uri="{BB962C8B-B14F-4D97-AF65-F5344CB8AC3E}">
+        <p14:creationId xmlns:p14="http://schemas.microsoft.com/office/powerpoint/2010/main" val="544480287"/>
+      </p:ext>
+    </p:extLst>
+  </p:cSld>
+  <p:clrMapOvr>
+    <a:masterClrMapping/>
+  </p:clrMapOvr>
+</p:sld>
+</file>
+
+<file path=ppt/slides/slide21.xml><?xml version="1.0" encoding="utf-8"?>
+<p:sld xmlns:a="http://schemas.openxmlformats.org/drawingml/2006/main" xmlns:r="http://schemas.openxmlformats.org/officeDocument/2006/relationships" xmlns:p="http://schemas.openxmlformats.org/presentationml/2006/main">
+  <p:cSld>
+    <p:spTree>
+      <p:nvGrpSpPr>
+        <p:cNvPr id="1" name=""/>
+        <p:cNvGrpSpPr/>
+        <p:nvPr/>
+      </p:nvGrpSpPr>
+      <p:grpSpPr>
+        <a:xfrm>
+          <a:off x="0" y="0"/>
+          <a:ext cx="0" cy="0"/>
+          <a:chOff x="0" y="0"/>
+          <a:chExt cx="0" cy="0"/>
+        </a:xfrm>
+      </p:grpSpPr>
+      <p:sp>
+        <p:nvSpPr>
+          <p:cNvPr id="2" name="タイトル 1"/>
+          <p:cNvSpPr>
+            <a:spLocks noGrp="1"/>
+          </p:cNvSpPr>
+          <p:nvPr>
+            <p:ph type="title"/>
+          </p:nvPr>
+        </p:nvSpPr>
+        <p:spPr/>
+        <p:txBody>
+          <a:bodyPr/>
+          <a:lstStyle/>
+          <a:p>
+            <a:endParaRPr kumimoji="1" lang="ja-JP" altLang="en-US"/>
+          </a:p>
+        </p:txBody>
+      </p:sp>
+      <p:sp>
+        <p:nvSpPr>
+          <p:cNvPr id="3" name="コンテンツ プレースホルダー 2"/>
+          <p:cNvSpPr>
+            <a:spLocks noGrp="1"/>
+          </p:cNvSpPr>
+          <p:nvPr>
+            <p:ph idx="1"/>
+          </p:nvPr>
+        </p:nvSpPr>
+        <p:spPr/>
+        <p:txBody>
+          <a:bodyPr/>
+          <a:lstStyle/>
+          <a:p>
+            <a:endParaRPr kumimoji="1" lang="ja-JP" altLang="en-US"/>
+          </a:p>
+        </p:txBody>
+      </p:sp>
+    </p:spTree>
+    <p:extLst>
+      <p:ext uri="{BB962C8B-B14F-4D97-AF65-F5344CB8AC3E}">
+        <p14:creationId xmlns:p14="http://schemas.microsoft.com/office/powerpoint/2010/main" val="1373393859"/>
+      </p:ext>
+    </p:extLst>
+  </p:cSld>
+  <p:clrMapOvr>
+    <a:masterClrMapping/>
+  </p:clrMapOvr>
+</p:sld>
+</file>
+
 <file path=ppt/slides/slide3.xml><?xml version="1.0" encoding="utf-8"?>
 <p:sld xmlns:a="http://schemas.openxmlformats.org/drawingml/2006/main" xmlns:r="http://schemas.openxmlformats.org/officeDocument/2006/relationships" xmlns:p="http://schemas.openxmlformats.org/presentationml/2006/main">
   <p:cSld>
@@ -4724,24 +5687,118 @@
           <a:lstStyle/>
           <a:p>
             <a:r>
-              <a:rPr lang="en-US" altLang="ja-JP" dirty="0">
-                <a:hlinkClick r:id="rId2"/>
-              </a:rPr>
-              <a:t>https://baseball.sports.smt.docomo.ne.jp</a:t>
-            </a:r>
-            <a:r>
               <a:rPr lang="en-US" altLang="ja-JP" dirty="0" smtClean="0">
                 <a:hlinkClick r:id="rId2"/>
               </a:rPr>
-              <a:t>/</a:t>
+              <a:t>https://baseball.sports.smt.docomo.ne.jp/</a:t>
             </a:r>
             <a:endParaRPr lang="en-US" altLang="ja-JP" dirty="0" smtClean="0"/>
           </a:p>
           <a:p>
+            <a:endParaRPr lang="en-US" altLang="ja-JP" dirty="0"/>
+          </a:p>
+          <a:p>
+            <a:r>
+              <a:rPr lang="en-US" altLang="ja-JP" dirty="0" smtClean="0"/>
+              <a:t>2018</a:t>
+            </a:r>
+            <a:r>
+              <a:rPr lang="ja-JP" altLang="en-US" dirty="0" smtClean="0"/>
+              <a:t>年シーズンの</a:t>
+            </a:r>
+            <a:r>
+              <a:rPr lang="en-US" altLang="ja-JP" smtClean="0"/>
+              <a:t>NPB</a:t>
+            </a:r>
+            <a:r>
+              <a:rPr lang="ja-JP" altLang="en-US" smtClean="0"/>
+              <a:t>全試合</a:t>
+            </a:r>
+            <a:r>
+              <a:rPr lang="en-US" altLang="ja-JP" dirty="0" smtClean="0"/>
+              <a:t>(</a:t>
+            </a:r>
+            <a:r>
+              <a:rPr lang="ja-JP" altLang="en-US" dirty="0" smtClean="0"/>
+              <a:t>現在</a:t>
+            </a:r>
+            <a:r>
+              <a:rPr lang="en-US" altLang="ja-JP" dirty="0" smtClean="0"/>
+              <a:t>877</a:t>
+            </a:r>
+            <a:r>
+              <a:rPr lang="ja-JP" altLang="en-US" dirty="0" smtClean="0"/>
+              <a:t>試合</a:t>
+            </a:r>
+            <a:r>
+              <a:rPr lang="en-US" altLang="ja-JP" dirty="0" smtClean="0"/>
+              <a:t>)</a:t>
+            </a:r>
+          </a:p>
+          <a:p>
             <a:endParaRPr kumimoji="1" lang="ja-JP" altLang="en-US" dirty="0"/>
           </a:p>
         </p:txBody>
       </p:sp>
+      <p:pic>
+        <p:nvPicPr>
+          <p:cNvPr id="6" name="図 5"/>
+          <p:cNvPicPr>
+            <a:picLocks noChangeAspect="1"/>
+          </p:cNvPicPr>
+          <p:nvPr/>
+        </p:nvPicPr>
+        <p:blipFill rotWithShape="1">
+          <a:blip r:embed="rId3">
+            <a:extLst>
+              <a:ext uri="{28A0092B-C50C-407E-A947-70E740481C1C}">
+                <a14:useLocalDpi xmlns:a14="http://schemas.microsoft.com/office/drawing/2010/main" val="0"/>
+              </a:ext>
+            </a:extLst>
+          </a:blip>
+          <a:srcRect l="-1139" r="-1414" b="75055"/>
+          <a:stretch/>
+        </p:blipFill>
+        <p:spPr>
+          <a:xfrm>
+            <a:off x="8876027" y="146958"/>
+            <a:ext cx="2939142" cy="6711042"/>
+          </a:xfrm>
+          <a:prstGeom prst="rect">
+            <a:avLst/>
+          </a:prstGeom>
+        </p:spPr>
+      </p:pic>
+      <p:pic>
+        <p:nvPicPr>
+          <p:cNvPr id="7" name="図 6"/>
+          <p:cNvPicPr>
+            <a:picLocks noChangeAspect="1"/>
+          </p:cNvPicPr>
+          <p:nvPr/>
+        </p:nvPicPr>
+        <p:blipFill>
+          <a:blip r:embed="rId4">
+            <a:extLst>
+              <a:ext uri="{28A0092B-C50C-407E-A947-70E740481C1C}">
+                <a14:useLocalDpi xmlns:a14="http://schemas.microsoft.com/office/drawing/2010/main" val="0"/>
+              </a:ext>
+            </a:extLst>
+          </a:blip>
+          <a:stretch>
+            <a:fillRect/>
+          </a:stretch>
+        </p:blipFill>
+        <p:spPr>
+          <a:xfrm>
+            <a:off x="532177" y="3757855"/>
+            <a:ext cx="8094906" cy="1839751"/>
+          </a:xfrm>
+          <a:prstGeom prst="rect">
+            <a:avLst/>
+          </a:prstGeom>
+        </p:spPr>
+      </p:pic>
     </p:spTree>
     <p:extLst>
       <p:ext uri="{BB962C8B-B14F-4D97-AF65-F5344CB8AC3E}">
@@ -4796,7 +5853,7 @@
           <a:p>
             <a:r>
               <a:rPr kumimoji="1" lang="ja-JP" altLang="en-US" dirty="0" smtClean="0"/>
-              <a:t>データイメージ</a:t>
+              <a:t>データ加工イメージ</a:t>
             </a:r>
             <a:endParaRPr kumimoji="1" lang="ja-JP" altLang="en-US" dirty="0"/>
           </a:p>
@@ -4844,8 +5901,13 @@
             </a:r>
             <a:r>
               <a:rPr kumimoji="1" lang="en-US" altLang="ja-JP" dirty="0" smtClean="0"/>
-              <a:t> : 50525</a:t>
-            </a:r>
+              <a:t> : </a:t>
+            </a:r>
+            <a:r>
+              <a:rPr kumimoji="1" lang="en-US" altLang="ja-JP" dirty="0" smtClean="0"/>
+              <a:t>50525 (100%)</a:t>
+            </a:r>
+            <a:endParaRPr kumimoji="1" lang="en-US" altLang="ja-JP" dirty="0" smtClean="0"/>
           </a:p>
           <a:p>
             <a:pPr marL="0" marR="0" lvl="0" indent="0" defTabSz="914400" eaLnBrk="1" fontAlgn="auto" latinLnBrk="0" hangingPunct="1">
@@ -4868,21 +5930,15 @@
             <a:endParaRPr lang="en-US" altLang="ja-JP" dirty="0"/>
           </a:p>
           <a:p>
-            <a:pPr marL="0" marR="0" lvl="0" indent="0" defTabSz="914400" eaLnBrk="1" fontAlgn="auto" latinLnBrk="0" hangingPunct="1">
+            <a:pPr marL="457200" lvl="1" indent="0">
               <a:lnSpc>
                 <a:spcPct val="100000"/>
               </a:lnSpc>
               <a:spcBef>
                 <a:spcPts val="0"/>
               </a:spcBef>
-              <a:spcAft>
-                <a:spcPts val="0"/>
-              </a:spcAft>
-              <a:buClrTx/>
-              <a:buSzTx/>
               <a:buFontTx/>
               <a:buNone/>
-              <a:tabLst/>
               <a:defRPr/>
             </a:pPr>
             <a:r>
@@ -4911,21 +5967,15 @@
             </a:r>
           </a:p>
           <a:p>
-            <a:pPr marL="0" marR="0" lvl="0" indent="0" defTabSz="914400" eaLnBrk="1" fontAlgn="auto" latinLnBrk="0" hangingPunct="1">
+            <a:pPr marL="457200" lvl="1" indent="0">
               <a:lnSpc>
                 <a:spcPct val="100000"/>
               </a:lnSpc>
               <a:spcBef>
                 <a:spcPts val="0"/>
               </a:spcBef>
-              <a:spcAft>
-                <a:spcPts val="0"/>
-              </a:spcAft>
-              <a:buClrTx/>
-              <a:buSzTx/>
               <a:buFontTx/>
               <a:buNone/>
-              <a:tabLst/>
               <a:defRPr/>
             </a:pPr>
             <a:r>
@@ -4950,7 +6000,7 @@
             </a:r>
           </a:p>
           <a:p>
-            <a:pPr marL="0" indent="0">
+            <a:pPr marL="457200" lvl="1" indent="0">
               <a:lnSpc>
                 <a:spcPct val="100000"/>
               </a:lnSpc>
@@ -4989,51 +6039,31 @@
             </a:r>
             <a:r>
               <a:rPr lang="en-US" altLang="ja-JP" dirty="0" smtClean="0"/>
-              <a:t>650 (1%)</a:t>
+              <a:t>650 (1</a:t>
+            </a:r>
+            <a:r>
+              <a:rPr lang="en-US" altLang="ja-JP" dirty="0" smtClean="0"/>
+              <a:t>%)</a:t>
             </a:r>
             <a:endParaRPr lang="en-US" altLang="ja-JP" dirty="0"/>
           </a:p>
           <a:p>
-            <a:pPr marL="0" marR="0" lvl="0" indent="0" defTabSz="914400" eaLnBrk="1" fontAlgn="auto" latinLnBrk="0" hangingPunct="1">
+            <a:pPr marL="457200" lvl="1" indent="0">
               <a:lnSpc>
                 <a:spcPct val="100000"/>
               </a:lnSpc>
               <a:spcBef>
                 <a:spcPts val="0"/>
               </a:spcBef>
-              <a:spcAft>
-                <a:spcPts val="0"/>
-              </a:spcAft>
-              <a:buClrTx/>
-              <a:buSzTx/>
-              <a:buFontTx/>
-              <a:buNone/>
-              <a:tabLst/>
-              <a:defRPr/>
+              <a:buNone/>
             </a:pPr>
-            <a:endParaRPr lang="en-US" altLang="ja-JP" dirty="0" smtClean="0"/>
-          </a:p>
-          <a:p>
-            <a:pPr marL="0" marR="0" lvl="0" indent="0" defTabSz="914400" eaLnBrk="1" fontAlgn="auto" latinLnBrk="0" hangingPunct="1">
-              <a:lnSpc>
-                <a:spcPct val="100000"/>
-              </a:lnSpc>
-              <a:spcBef>
-                <a:spcPts val="0"/>
-              </a:spcBef>
-              <a:spcAft>
-                <a:spcPts val="0"/>
-              </a:spcAft>
-              <a:buClrTx/>
-              <a:buSzTx/>
-              <a:buFontTx/>
-              <a:buNone/>
-              <a:tabLst/>
-              <a:defRPr/>
-            </a:pPr>
             <a:r>
               <a:rPr lang="ja-JP" altLang="en-US" dirty="0" smtClean="0"/>
-              <a:t>・・・</a:t>
+              <a:t>・</a:t>
+            </a:r>
+            <a:r>
+              <a:rPr lang="ja-JP" altLang="en-US" dirty="0" smtClean="0"/>
+              <a:t>・・</a:t>
             </a:r>
             <a:r>
               <a:rPr lang="en-US" altLang="ja-JP" dirty="0" smtClean="0"/>
@@ -5138,7 +6168,11 @@
             </a:r>
             <a:r>
               <a:rPr lang="en-US" altLang="ja-JP" dirty="0" smtClean="0"/>
-              <a:t> : 5959</a:t>
+              <a:t> : </a:t>
+            </a:r>
+            <a:r>
+              <a:rPr lang="en-US" altLang="ja-JP" dirty="0" smtClean="0"/>
+              <a:t>5959 (100%)</a:t>
             </a:r>
             <a:endParaRPr lang="en-US" altLang="ja-JP" dirty="0"/>
           </a:p>
@@ -5340,7 +6374,7 @@
             </a:r>
             <a:r>
               <a:rPr lang="en-US" altLang="ja-JP" dirty="0" smtClean="0"/>
-              <a:t>5495</a:t>
+              <a:t>5495 (100%)</a:t>
             </a:r>
             <a:endParaRPr lang="en-US" altLang="ja-JP" dirty="0"/>
           </a:p>
@@ -5595,7 +6629,23 @@
           <a:p>
             <a:r>
               <a:rPr kumimoji="1" lang="ja-JP" altLang="en-US" dirty="0" smtClean="0"/>
-              <a:t>各イニングごとの比較</a:t>
+              <a:t>各イニングごとの</a:t>
+            </a:r>
+            <a:r>
+              <a:rPr kumimoji="1" lang="ja-JP" altLang="en-US" dirty="0" smtClean="0"/>
+              <a:t>比較</a:t>
+            </a:r>
+            <a:r>
+              <a:rPr kumimoji="1" lang="en-US" altLang="ja-JP" dirty="0" smtClean="0"/>
+              <a:t> (</a:t>
+            </a:r>
+            <a:r>
+              <a:rPr kumimoji="1" lang="ja-JP" altLang="en-US" dirty="0" smtClean="0"/>
+              <a:t>基礎分析</a:t>
+            </a:r>
+            <a:r>
+              <a:rPr kumimoji="1" lang="en-US" altLang="ja-JP" dirty="0" smtClean="0"/>
+              <a:t>)</a:t>
             </a:r>
             <a:endParaRPr kumimoji="1" lang="ja-JP" altLang="en-US" dirty="0"/>
           </a:p>
@@ -5613,181 +6663,277 @@
         </p:nvSpPr>
         <p:spPr/>
         <p:txBody>
-          <a:bodyPr/>
-          <a:lstStyle/>
-          <a:p>
-            <a:pPr marL="0" lvl="0" indent="0">
+          <a:bodyPr>
+            <a:normAutofit lnSpcReduction="10000"/>
+          </a:bodyPr>
+          <a:lstStyle/>
+          <a:p>
+            <a:pPr>
               <a:lnSpc>
                 <a:spcPct val="100000"/>
               </a:lnSpc>
               <a:spcBef>
                 <a:spcPts val="0"/>
               </a:spcBef>
-              <a:buNone/>
               <a:defRPr/>
             </a:pPr>
             <a:r>
-              <a:rPr lang="en-US" altLang="ja-JP" dirty="0" smtClean="0"/>
-              <a:t>1</a:t>
-            </a:r>
-            <a:r>
-              <a:rPr lang="ja-JP" altLang="en-US" dirty="0" smtClean="0"/>
-              <a:t>イニング目の総プレー数</a:t>
-            </a:r>
-            <a:r>
-              <a:rPr lang="en-US" altLang="ja-JP" dirty="0" smtClean="0"/>
-              <a:t> : 5959</a:t>
+              <a:rPr kumimoji="1" lang="ja-JP" altLang="en-US" dirty="0" smtClean="0"/>
+              <a:t>各状況</a:t>
+            </a:r>
+            <a:r>
+              <a:rPr kumimoji="1" lang="en-US" altLang="ja-JP" dirty="0" smtClean="0"/>
+              <a:t>(</a:t>
+            </a:r>
+            <a:r>
+              <a:rPr lang="en-US" altLang="ja-JP" dirty="0"/>
+              <a:t>0out </a:t>
+            </a:r>
+            <a:r>
+              <a:rPr lang="ja-JP" altLang="en-US" dirty="0"/>
+              <a:t>→</a:t>
+            </a:r>
+            <a:r>
+              <a:rPr lang="en-US" altLang="ja-JP" dirty="0"/>
+              <a:t> 1out </a:t>
+            </a:r>
+            <a:r>
+              <a:rPr lang="ja-JP" altLang="en-US" dirty="0"/>
+              <a:t>→</a:t>
+            </a:r>
+            <a:r>
+              <a:rPr lang="en-US" altLang="ja-JP" dirty="0"/>
+              <a:t> 1out1base</a:t>
+            </a:r>
+            <a:r>
+              <a:rPr kumimoji="1" lang="ja-JP" altLang="en-US" dirty="0" smtClean="0"/>
+              <a:t>等</a:t>
+            </a:r>
+            <a:r>
+              <a:rPr kumimoji="1" lang="en-US" altLang="ja-JP" dirty="0" smtClean="0"/>
+              <a:t>)</a:t>
+            </a:r>
+            <a:r>
+              <a:rPr kumimoji="1" lang="ja-JP" altLang="en-US" dirty="0" smtClean="0"/>
+              <a:t>の出現しやすさ</a:t>
+            </a:r>
+            <a:r>
+              <a:rPr kumimoji="1" lang="ja-JP" altLang="en-US" dirty="0" smtClean="0"/>
+              <a:t>は</a:t>
+            </a:r>
+            <a:r>
+              <a:rPr kumimoji="1" lang="en-US" altLang="ja-JP" dirty="0" smtClean="0"/>
+              <a:t>, </a:t>
+            </a:r>
+            <a:r>
+              <a:rPr kumimoji="1" lang="ja-JP" altLang="en-US" dirty="0" smtClean="0"/>
+              <a:t>　　　　どの</a:t>
+            </a:r>
+            <a:r>
+              <a:rPr kumimoji="1" lang="ja-JP" altLang="en-US" dirty="0" smtClean="0"/>
+              <a:t>イニングでも同じなのかを考えたい</a:t>
             </a:r>
             <a:endParaRPr lang="en-US" altLang="ja-JP" dirty="0"/>
           </a:p>
           <a:p>
-            <a:pPr marL="457200" lvl="1" indent="0">
+            <a:pPr>
               <a:lnSpc>
                 <a:spcPct val="100000"/>
               </a:lnSpc>
               <a:spcBef>
                 <a:spcPts val="0"/>
               </a:spcBef>
-              <a:buNone/>
               <a:defRPr/>
             </a:pPr>
-            <a:r>
-              <a:rPr lang="en-US" altLang="ja-JP" dirty="0"/>
-              <a:t>0out </a:t>
-            </a:r>
-            <a:r>
-              <a:rPr lang="ja-JP" altLang="en-US" dirty="0"/>
-              <a:t>→</a:t>
-            </a:r>
-            <a:r>
-              <a:rPr lang="en-US" altLang="ja-JP" dirty="0"/>
-              <a:t> 1out </a:t>
-            </a:r>
-            <a:r>
-              <a:rPr lang="ja-JP" altLang="en-US" dirty="0"/>
-              <a:t>→</a:t>
-            </a:r>
-            <a:r>
-              <a:rPr lang="en-US" altLang="ja-JP" dirty="0"/>
-              <a:t> 2out : </a:t>
-            </a:r>
-            <a:r>
-              <a:rPr lang="en-US" altLang="ja-JP" dirty="0" smtClean="0"/>
-              <a:t>803 </a:t>
-            </a:r>
-            <a:r>
-              <a:rPr lang="en-US" altLang="ja-JP" dirty="0"/>
-              <a:t>(</a:t>
-            </a:r>
-            <a:r>
-              <a:rPr lang="en-US" altLang="ja-JP" dirty="0" smtClean="0"/>
-              <a:t>13%)</a:t>
-            </a:r>
-            <a:endParaRPr lang="en-US" altLang="ja-JP" dirty="0"/>
-          </a:p>
-          <a:p>
-            <a:pPr marL="457200" lvl="1" indent="0">
+            <a:endParaRPr lang="en-US" altLang="ja-JP" dirty="0" smtClean="0"/>
+          </a:p>
+          <a:p>
+            <a:pPr>
               <a:lnSpc>
                 <a:spcPct val="100000"/>
               </a:lnSpc>
               <a:spcBef>
                 <a:spcPts val="0"/>
               </a:spcBef>
-              <a:buNone/>
               <a:defRPr/>
             </a:pPr>
             <a:r>
-              <a:rPr lang="en-US" altLang="ja-JP" dirty="0"/>
-              <a:t>0out </a:t>
-            </a:r>
-            <a:r>
-              <a:rPr lang="ja-JP" altLang="en-US" dirty="0"/>
-              <a:t>→</a:t>
-            </a:r>
-            <a:r>
-              <a:rPr lang="en-US" altLang="ja-JP" dirty="0"/>
-              <a:t> 1out </a:t>
-            </a:r>
-            <a:r>
-              <a:rPr lang="ja-JP" altLang="en-US" dirty="0"/>
-              <a:t>→</a:t>
-            </a:r>
-            <a:r>
-              <a:rPr lang="en-US" altLang="ja-JP" dirty="0"/>
-              <a:t> 1out1base : </a:t>
+              <a:rPr lang="ja-JP" altLang="en-US" dirty="0" smtClean="0"/>
+              <a:t>それを記述するために各イニングの状況の分布の</a:t>
             </a:r>
             <a:r>
               <a:rPr lang="en-US" altLang="ja-JP" dirty="0" smtClean="0"/>
-              <a:t>251 </a:t>
-            </a:r>
-            <a:r>
-              <a:rPr lang="en-US" altLang="ja-JP" dirty="0"/>
-              <a:t>(4%)</a:t>
-            </a:r>
-          </a:p>
-          <a:p>
-            <a:pPr marL="457200" lvl="1" indent="0">
+              <a:t>”</a:t>
+            </a:r>
+            <a:r>
+              <a:rPr lang="ja-JP" altLang="en-US" dirty="0" smtClean="0"/>
+              <a:t>距離</a:t>
+            </a:r>
+            <a:r>
+              <a:rPr lang="en-US" altLang="ja-JP" dirty="0" smtClean="0"/>
+              <a:t>”</a:t>
+            </a:r>
+            <a:r>
+              <a:rPr lang="ja-JP" altLang="en-US" dirty="0" smtClean="0"/>
+              <a:t>を見る</a:t>
+            </a:r>
+            <a:endParaRPr lang="en-US" altLang="ja-JP" dirty="0" smtClean="0"/>
+          </a:p>
+          <a:p>
+            <a:pPr>
               <a:lnSpc>
                 <a:spcPct val="100000"/>
               </a:lnSpc>
               <a:spcBef>
                 <a:spcPts val="0"/>
               </a:spcBef>
-              <a:buNone/>
+              <a:defRPr/>
             </a:pPr>
-            <a:r>
-              <a:rPr lang="en-US" altLang="ja-JP" dirty="0"/>
-              <a:t>0out </a:t>
-            </a:r>
-            <a:r>
-              <a:rPr lang="ja-JP" altLang="en-US" dirty="0"/>
-              <a:t>→</a:t>
-            </a:r>
-            <a:r>
-              <a:rPr lang="en-US" altLang="ja-JP" dirty="0"/>
-              <a:t> 1out </a:t>
-            </a:r>
-            <a:r>
-              <a:rPr lang="ja-JP" altLang="en-US" dirty="0"/>
-              <a:t>→</a:t>
-            </a:r>
-            <a:r>
-              <a:rPr lang="en-US" altLang="ja-JP" dirty="0"/>
-              <a:t> 1out2base : </a:t>
-            </a:r>
-            <a:r>
-              <a:rPr lang="en-US" altLang="ja-JP" dirty="0" smtClean="0"/>
-              <a:t>82 </a:t>
-            </a:r>
-            <a:r>
-              <a:rPr lang="en-US" altLang="ja-JP" dirty="0"/>
-              <a:t>(1</a:t>
-            </a:r>
-            <a:r>
-              <a:rPr lang="en-US" altLang="ja-JP" dirty="0" smtClean="0"/>
-              <a:t>%)</a:t>
-            </a:r>
             <a:endParaRPr lang="en-US" altLang="ja-JP" dirty="0"/>
           </a:p>
           <a:p>
-            <a:pPr marL="457200" lvl="1" indent="0">
+            <a:pPr>
               <a:lnSpc>
                 <a:spcPct val="100000"/>
               </a:lnSpc>
               <a:spcBef>
                 <a:spcPts val="0"/>
               </a:spcBef>
-              <a:buNone/>
               <a:defRPr/>
             </a:pPr>
             <a:r>
-              <a:rPr lang="ja-JP" altLang="en-US" dirty="0"/>
-              <a:t>・・・</a:t>
-            </a:r>
-            <a:r>
-              <a:rPr lang="en-US" altLang="ja-JP" dirty="0"/>
-              <a:t>ETC</a:t>
-            </a:r>
+              <a:rPr lang="ja-JP" altLang="en-US" dirty="0" smtClean="0"/>
+              <a:t>この</a:t>
+            </a:r>
+            <a:r>
+              <a:rPr lang="en-US" altLang="ja-JP" dirty="0" smtClean="0"/>
+              <a:t>”</a:t>
+            </a:r>
+            <a:r>
+              <a:rPr lang="ja-JP" altLang="en-US" dirty="0" smtClean="0"/>
+              <a:t>距離</a:t>
+            </a:r>
+            <a:r>
+              <a:rPr lang="en-US" altLang="ja-JP" dirty="0" smtClean="0"/>
+              <a:t>”</a:t>
+            </a:r>
+            <a:r>
+              <a:rPr lang="ja-JP" altLang="en-US" dirty="0" smtClean="0"/>
+              <a:t>が小さければそのイニングは同じような状況</a:t>
+            </a:r>
+            <a:r>
+              <a:rPr lang="ja-JP" altLang="en-US" dirty="0" smtClean="0"/>
+              <a:t>が　　出てきやすい</a:t>
+            </a:r>
+            <a:endParaRPr lang="en-US" altLang="ja-JP" dirty="0" smtClean="0"/>
+          </a:p>
+          <a:p>
+            <a:pPr>
+              <a:lnSpc>
+                <a:spcPct val="100000"/>
+              </a:lnSpc>
+              <a:spcBef>
+                <a:spcPts val="0"/>
+              </a:spcBef>
+              <a:defRPr/>
+            </a:pPr>
+            <a:endParaRPr lang="en-US" altLang="ja-JP" dirty="0"/>
+          </a:p>
+          <a:p>
+            <a:pPr>
+              <a:lnSpc>
+                <a:spcPct val="100000"/>
+              </a:lnSpc>
+              <a:spcBef>
+                <a:spcPts val="0"/>
+              </a:spcBef>
+              <a:defRPr/>
+            </a:pPr>
+            <a:r>
+              <a:rPr lang="ja-JP" altLang="en-US" dirty="0" smtClean="0"/>
+              <a:t>この</a:t>
+            </a:r>
+            <a:r>
+              <a:rPr lang="en-US" altLang="ja-JP" dirty="0" smtClean="0"/>
+              <a:t>”</a:t>
+            </a:r>
+            <a:r>
+              <a:rPr lang="ja-JP" altLang="en-US" dirty="0" smtClean="0"/>
+              <a:t>距離</a:t>
+            </a:r>
+            <a:r>
+              <a:rPr lang="en-US" altLang="ja-JP" dirty="0" smtClean="0"/>
+              <a:t>”</a:t>
+            </a:r>
+            <a:r>
+              <a:rPr lang="ja-JP" altLang="en-US" dirty="0" smtClean="0"/>
+              <a:t>として</a:t>
+            </a:r>
+            <a:r>
+              <a:rPr lang="en-US" altLang="ja-JP" dirty="0" smtClean="0"/>
+              <a:t>KS</a:t>
+            </a:r>
+            <a:r>
+              <a:rPr lang="ja-JP" altLang="en-US" dirty="0" smtClean="0"/>
+              <a:t>検定量</a:t>
+            </a:r>
+            <a:r>
+              <a:rPr lang="en-US" altLang="ja-JP" dirty="0" smtClean="0"/>
+              <a:t>(</a:t>
+            </a:r>
+            <a:r>
+              <a:rPr lang="ja-JP" altLang="en-US" dirty="0" smtClean="0"/>
+              <a:t>多分正式名称にあらず</a:t>
+            </a:r>
+            <a:r>
+              <a:rPr lang="en-US" altLang="ja-JP" dirty="0" smtClean="0"/>
+              <a:t>)</a:t>
+            </a:r>
+            <a:r>
+              <a:rPr lang="ja-JP" altLang="en-US" dirty="0" smtClean="0"/>
+              <a:t>を</a:t>
+            </a:r>
+            <a:r>
+              <a:rPr lang="ja-JP" altLang="en-US" dirty="0" smtClean="0"/>
+              <a:t>使う</a:t>
+            </a:r>
+            <a:endParaRPr lang="en-US" altLang="ja-JP" dirty="0" smtClean="0"/>
+          </a:p>
+          <a:p>
+            <a:pPr>
+              <a:lnSpc>
+                <a:spcPct val="100000"/>
+              </a:lnSpc>
+              <a:spcBef>
+                <a:spcPts val="0"/>
+              </a:spcBef>
+              <a:defRPr/>
+            </a:pPr>
+            <a:endParaRPr lang="en-US" altLang="ja-JP" dirty="0"/>
+          </a:p>
+          <a:p>
+            <a:pPr>
+              <a:lnSpc>
+                <a:spcPct val="100000"/>
+              </a:lnSpc>
+              <a:spcBef>
+                <a:spcPts val="0"/>
+              </a:spcBef>
+              <a:defRPr/>
+            </a:pPr>
+            <a:r>
+              <a:rPr lang="en-US" altLang="ja-JP" dirty="0" smtClean="0"/>
+              <a:t>(</a:t>
+            </a:r>
+            <a:r>
+              <a:rPr lang="ja-JP" altLang="en-US" dirty="0" smtClean="0"/>
+              <a:t>この話自体は流れとはあまり関係ない</a:t>
+            </a:r>
+            <a:r>
+              <a:rPr lang="en-US" altLang="ja-JP" dirty="0" smtClean="0"/>
+              <a:t>)</a:t>
+            </a:r>
+            <a:endParaRPr lang="en-US" altLang="ja-JP" dirty="0"/>
           </a:p>
           <a:p>
             <a:pPr marL="0" marR="0" lvl="0" indent="0" defTabSz="914400" eaLnBrk="1" fontAlgn="auto" latinLnBrk="0" hangingPunct="1">
@@ -5807,296 +6953,7 @@
               <a:tabLst/>
               <a:defRPr/>
             </a:pPr>
-            <a:endParaRPr kumimoji="1" lang="en-US" altLang="ja-JP" dirty="0" smtClean="0"/>
-          </a:p>
-          <a:p>
-            <a:pPr marL="0" lvl="0" indent="0">
-              <a:lnSpc>
-                <a:spcPct val="100000"/>
-              </a:lnSpc>
-              <a:spcBef>
-                <a:spcPts val="0"/>
-              </a:spcBef>
-              <a:buNone/>
-              <a:defRPr/>
-            </a:pPr>
-            <a:r>
-              <a:rPr lang="en-US" altLang="ja-JP" dirty="0" smtClean="0"/>
-              <a:t>2</a:t>
-            </a:r>
-            <a:r>
-              <a:rPr lang="ja-JP" altLang="en-US" dirty="0" smtClean="0"/>
-              <a:t>イニング目</a:t>
-            </a:r>
-            <a:r>
-              <a:rPr lang="ja-JP" altLang="en-US" dirty="0"/>
-              <a:t>の総プレー数</a:t>
-            </a:r>
-            <a:r>
-              <a:rPr lang="en-US" altLang="ja-JP" dirty="0"/>
-              <a:t> : </a:t>
-            </a:r>
-            <a:r>
-              <a:rPr lang="en-US" altLang="ja-JP" dirty="0" smtClean="0"/>
-              <a:t>5495</a:t>
-            </a:r>
-            <a:endParaRPr lang="en-US" altLang="ja-JP" dirty="0"/>
-          </a:p>
-          <a:p>
-            <a:pPr marL="457200" lvl="1" indent="0">
-              <a:lnSpc>
-                <a:spcPct val="100000"/>
-              </a:lnSpc>
-              <a:spcBef>
-                <a:spcPts val="0"/>
-              </a:spcBef>
-              <a:buNone/>
-              <a:defRPr/>
-            </a:pPr>
-            <a:r>
-              <a:rPr lang="en-US" altLang="ja-JP" dirty="0"/>
-              <a:t>0out </a:t>
-            </a:r>
-            <a:r>
-              <a:rPr lang="ja-JP" altLang="en-US" dirty="0"/>
-              <a:t>→</a:t>
-            </a:r>
-            <a:r>
-              <a:rPr lang="en-US" altLang="ja-JP" dirty="0"/>
-              <a:t> 1out </a:t>
-            </a:r>
-            <a:r>
-              <a:rPr lang="ja-JP" altLang="en-US" dirty="0"/>
-              <a:t>→</a:t>
-            </a:r>
-            <a:r>
-              <a:rPr lang="en-US" altLang="ja-JP" dirty="0"/>
-              <a:t> 2out : </a:t>
-            </a:r>
-            <a:r>
-              <a:rPr lang="en-US" altLang="ja-JP" dirty="0" smtClean="0"/>
-              <a:t>843 </a:t>
-            </a:r>
-            <a:r>
-              <a:rPr lang="en-US" altLang="ja-JP" dirty="0"/>
-              <a:t>(</a:t>
-            </a:r>
-            <a:r>
-              <a:rPr lang="en-US" altLang="ja-JP" dirty="0" smtClean="0"/>
-              <a:t>15%)</a:t>
-            </a:r>
-            <a:endParaRPr lang="en-US" altLang="ja-JP" dirty="0"/>
-          </a:p>
-          <a:p>
-            <a:pPr marL="457200" lvl="1" indent="0">
-              <a:lnSpc>
-                <a:spcPct val="100000"/>
-              </a:lnSpc>
-              <a:spcBef>
-                <a:spcPts val="0"/>
-              </a:spcBef>
-              <a:buNone/>
-              <a:defRPr/>
-            </a:pPr>
-            <a:r>
-              <a:rPr lang="en-US" altLang="ja-JP" dirty="0"/>
-              <a:t>0out </a:t>
-            </a:r>
-            <a:r>
-              <a:rPr lang="ja-JP" altLang="en-US" dirty="0"/>
-              <a:t>→</a:t>
-            </a:r>
-            <a:r>
-              <a:rPr lang="en-US" altLang="ja-JP" dirty="0"/>
-              <a:t> 1out </a:t>
-            </a:r>
-            <a:r>
-              <a:rPr lang="ja-JP" altLang="en-US" dirty="0"/>
-              <a:t>→</a:t>
-            </a:r>
-            <a:r>
-              <a:rPr lang="en-US" altLang="ja-JP" dirty="0"/>
-              <a:t> 1out1base : </a:t>
-            </a:r>
-            <a:r>
-              <a:rPr lang="en-US" altLang="ja-JP" dirty="0" smtClean="0"/>
-              <a:t>280 (5%)</a:t>
-            </a:r>
-            <a:endParaRPr lang="en-US" altLang="ja-JP" dirty="0"/>
-          </a:p>
-          <a:p>
-            <a:pPr marL="457200" lvl="1" indent="0">
-              <a:lnSpc>
-                <a:spcPct val="100000"/>
-              </a:lnSpc>
-              <a:spcBef>
-                <a:spcPts val="0"/>
-              </a:spcBef>
-              <a:buNone/>
-            </a:pPr>
-            <a:r>
-              <a:rPr lang="en-US" altLang="ja-JP" dirty="0"/>
-              <a:t>0out </a:t>
-            </a:r>
-            <a:r>
-              <a:rPr lang="ja-JP" altLang="en-US" dirty="0"/>
-              <a:t>→</a:t>
-            </a:r>
-            <a:r>
-              <a:rPr lang="en-US" altLang="ja-JP" dirty="0"/>
-              <a:t> 1out </a:t>
-            </a:r>
-            <a:r>
-              <a:rPr lang="ja-JP" altLang="en-US" dirty="0"/>
-              <a:t>→</a:t>
-            </a:r>
-            <a:r>
-              <a:rPr lang="en-US" altLang="ja-JP" dirty="0"/>
-              <a:t> 1out2base : </a:t>
-            </a:r>
-            <a:r>
-              <a:rPr lang="en-US" altLang="ja-JP" dirty="0" smtClean="0"/>
-              <a:t>66 </a:t>
-            </a:r>
-            <a:r>
-              <a:rPr lang="en-US" altLang="ja-JP" dirty="0"/>
-              <a:t>(1%)</a:t>
-            </a:r>
-          </a:p>
-          <a:p>
-            <a:pPr marL="457200" lvl="1" indent="0">
-              <a:lnSpc>
-                <a:spcPct val="100000"/>
-              </a:lnSpc>
-              <a:spcBef>
-                <a:spcPts val="0"/>
-              </a:spcBef>
-              <a:buNone/>
-              <a:defRPr/>
-            </a:pPr>
-            <a:r>
-              <a:rPr lang="ja-JP" altLang="en-US" dirty="0"/>
-              <a:t>・・・</a:t>
-            </a:r>
-            <a:r>
-              <a:rPr lang="en-US" altLang="ja-JP" dirty="0"/>
-              <a:t>ETC</a:t>
-            </a:r>
-          </a:p>
-          <a:p>
-            <a:pPr marL="0" marR="0" lvl="0" indent="0" defTabSz="914400" eaLnBrk="1" fontAlgn="auto" latinLnBrk="0" hangingPunct="1">
-              <a:lnSpc>
-                <a:spcPct val="100000"/>
-              </a:lnSpc>
-              <a:spcBef>
-                <a:spcPts val="0"/>
-              </a:spcBef>
-              <a:spcAft>
-                <a:spcPts val="0"/>
-              </a:spcAft>
-              <a:buClrTx/>
-              <a:buSzTx/>
-              <a:buFontTx/>
-              <a:buNone/>
-              <a:tabLst/>
-              <a:defRPr/>
-            </a:pPr>
             <a:endParaRPr kumimoji="1" lang="ja-JP" altLang="en-US" dirty="0"/>
-          </a:p>
-        </p:txBody>
-      </p:sp>
-      <p:sp>
-        <p:nvSpPr>
-          <p:cNvPr id="4" name="テキスト ボックス 3"/>
-          <p:cNvSpPr txBox="1"/>
-          <p:nvPr/>
-        </p:nvSpPr>
-        <p:spPr>
-          <a:xfrm>
-            <a:off x="8238565" y="5530632"/>
-            <a:ext cx="3048000" cy="646331"/>
-          </a:xfrm>
-          <a:prstGeom prst="rect">
-            <a:avLst/>
-          </a:prstGeom>
-          <a:noFill/>
-        </p:spPr>
-        <p:txBody>
-          <a:bodyPr wrap="square" rtlCol="0">
-            <a:spAutoFit/>
-          </a:bodyPr>
-          <a:lstStyle/>
-          <a:p>
-            <a:r>
-              <a:rPr lang="ja-JP" altLang="en-US" sz="3600" smtClean="0"/>
-              <a:t>・・・</a:t>
-            </a:r>
-            <a:r>
-              <a:rPr kumimoji="1" lang="en-US" altLang="ja-JP" sz="3600" dirty="0" smtClean="0"/>
-              <a:t>ETC</a:t>
-            </a:r>
-            <a:endParaRPr kumimoji="1" lang="ja-JP" altLang="en-US" sz="3600" dirty="0"/>
-          </a:p>
-        </p:txBody>
-      </p:sp>
-      <p:sp>
-        <p:nvSpPr>
-          <p:cNvPr id="5" name="テキスト ボックス 4"/>
-          <p:cNvSpPr txBox="1"/>
-          <p:nvPr/>
-        </p:nvSpPr>
-        <p:spPr>
-          <a:xfrm>
-            <a:off x="7530354" y="2062302"/>
-            <a:ext cx="4231340" cy="2062103"/>
-          </a:xfrm>
-          <a:prstGeom prst="rect">
-            <a:avLst/>
-          </a:prstGeom>
-          <a:noFill/>
-        </p:spPr>
-        <p:txBody>
-          <a:bodyPr wrap="square" rtlCol="0">
-            <a:spAutoFit/>
-          </a:bodyPr>
-          <a:lstStyle/>
-          <a:p>
-            <a:r>
-              <a:rPr kumimoji="1" lang="ja-JP" altLang="en-US" sz="3200" dirty="0" smtClean="0"/>
-              <a:t>この分布について、イニング間で</a:t>
-            </a:r>
-            <a:r>
-              <a:rPr lang="en-US" altLang="ja-JP" sz="3200" dirty="0" smtClean="0"/>
-              <a:t>KS</a:t>
-            </a:r>
-            <a:r>
-              <a:rPr lang="ja-JP" altLang="en-US" sz="3200" dirty="0" smtClean="0"/>
-              <a:t>検定を行い、</a:t>
-            </a:r>
-            <a:endParaRPr lang="en-US" altLang="ja-JP" sz="3200" dirty="0" smtClean="0"/>
-          </a:p>
-          <a:p>
-            <a:r>
-              <a:rPr lang="ja-JP" altLang="en-US" sz="3200" dirty="0" smtClean="0"/>
-              <a:t>分布の</a:t>
-            </a:r>
-            <a:r>
-              <a:rPr lang="en-US" altLang="ja-JP" sz="3200" dirty="0" smtClean="0"/>
-              <a:t>”</a:t>
-            </a:r>
-            <a:r>
-              <a:rPr lang="ja-JP" altLang="en-US" sz="3200" dirty="0" smtClean="0"/>
-              <a:t>距離</a:t>
-            </a:r>
-            <a:r>
-              <a:rPr lang="en-US" altLang="ja-JP" sz="3200" dirty="0" smtClean="0"/>
-              <a:t>”</a:t>
-            </a:r>
-            <a:r>
-              <a:rPr lang="ja-JP" altLang="en-US" sz="3200" dirty="0" smtClean="0"/>
-              <a:t>を調べる</a:t>
-            </a:r>
-            <a:endParaRPr kumimoji="1" lang="ja-JP" altLang="en-US" sz="3200" dirty="0"/>
           </a:p>
         </p:txBody>
       </p:sp>
@@ -6268,7 +7125,11 @@
             <a:pPr algn="ctr"/>
             <a:r>
               <a:rPr kumimoji="1" lang="ja-JP" altLang="en-US" dirty="0" smtClean="0"/>
-              <a:t>チームごとの結果</a:t>
+              <a:t>チームごと</a:t>
+            </a:r>
+            <a:r>
+              <a:rPr kumimoji="1" lang="ja-JP" altLang="en-US" dirty="0" smtClean="0"/>
+              <a:t>の分析結果</a:t>
             </a:r>
             <a:endParaRPr kumimoji="1" lang="ja-JP" altLang="en-US" dirty="0"/>
           </a:p>
@@ -6311,84 +7172,233 @@
           <a:chExt cx="0" cy="0"/>
         </a:xfrm>
       </p:grpSpPr>
-      <p:sp>
-        <p:nvSpPr>
-          <p:cNvPr id="2" name="タイトル 1"/>
-          <p:cNvSpPr>
-            <a:spLocks noGrp="1"/>
-          </p:cNvSpPr>
-          <p:nvPr>
-            <p:ph type="title"/>
-          </p:nvPr>
-        </p:nvSpPr>
-        <p:spPr/>
-        <p:txBody>
-          <a:bodyPr/>
-          <a:lstStyle/>
-          <a:p>
-            <a:endParaRPr kumimoji="1" lang="ja-JP" altLang="en-US" dirty="0"/>
-          </a:p>
-        </p:txBody>
-      </p:sp>
-      <p:sp>
-        <p:nvSpPr>
-          <p:cNvPr id="3" name="コンテンツ プレースホルダー 2"/>
-          <p:cNvSpPr>
-            <a:spLocks noGrp="1"/>
-          </p:cNvSpPr>
-          <p:nvPr>
-            <p:ph idx="1"/>
-          </p:nvPr>
-        </p:nvSpPr>
-        <p:spPr/>
-        <p:txBody>
-          <a:bodyPr/>
-          <a:lstStyle/>
-          <a:p>
-            <a:r>
-              <a:rPr kumimoji="1" lang="ja-JP" altLang="en-US" dirty="0" smtClean="0"/>
-              <a:t>チームによって、そのイニングの攻撃だけ孤立している</a:t>
-            </a:r>
-            <a:r>
-              <a:rPr kumimoji="1" lang="en-US" altLang="ja-JP" dirty="0" smtClean="0"/>
-              <a:t>(=</a:t>
-            </a:r>
-            <a:r>
-              <a:rPr kumimoji="1" lang="ja-JP" altLang="en-US" dirty="0" smtClean="0"/>
-              <a:t>色が濃い</a:t>
-            </a:r>
-            <a:r>
-              <a:rPr kumimoji="1" lang="en-US" altLang="ja-JP" dirty="0" smtClean="0"/>
-              <a:t>)</a:t>
-            </a:r>
-            <a:r>
-              <a:rPr kumimoji="1" lang="ja-JP" altLang="en-US" dirty="0" smtClean="0"/>
-              <a:t>イニングがあったりなかったり</a:t>
-            </a:r>
-            <a:endParaRPr kumimoji="1" lang="en-US" altLang="ja-JP" dirty="0" smtClean="0"/>
-          </a:p>
-          <a:p>
-            <a:endParaRPr lang="en-US" altLang="ja-JP" dirty="0"/>
-          </a:p>
-          <a:p>
-            <a:r>
-              <a:rPr kumimoji="1" lang="ja-JP" altLang="en-US" dirty="0" smtClean="0"/>
-              <a:t>パリーグのほうが全体的に濃い</a:t>
-            </a:r>
-            <a:endParaRPr kumimoji="1" lang="ja-JP" altLang="en-US" dirty="0"/>
+      <p:pic>
+        <p:nvPicPr>
+          <p:cNvPr id="8" name="図 7"/>
+          <p:cNvPicPr>
+            <a:picLocks noChangeAspect="1"/>
+          </p:cNvPicPr>
+          <p:nvPr/>
+        </p:nvPicPr>
+        <p:blipFill>
+          <a:blip r:embed="rId2">
+            <a:extLst>
+              <a:ext uri="{28A0092B-C50C-407E-A947-70E740481C1C}">
+                <a14:useLocalDpi xmlns:a14="http://schemas.microsoft.com/office/drawing/2010/main" val="0"/>
+              </a:ext>
+            </a:extLst>
+          </a:blip>
+          <a:stretch>
+            <a:fillRect/>
+          </a:stretch>
+        </p:blipFill>
+        <p:spPr>
+          <a:xfrm>
+            <a:off x="1277898" y="4475760"/>
+            <a:ext cx="3624570" cy="2160000"/>
+          </a:xfrm>
+          <a:prstGeom prst="rect">
+            <a:avLst/>
+          </a:prstGeom>
+        </p:spPr>
+      </p:pic>
+      <p:pic>
+        <p:nvPicPr>
+          <p:cNvPr id="9" name="図 8"/>
+          <p:cNvPicPr>
+            <a:picLocks noChangeAspect="1"/>
+          </p:cNvPicPr>
+          <p:nvPr/>
+        </p:nvPicPr>
+        <p:blipFill>
+          <a:blip r:embed="rId3">
+            <a:extLst>
+              <a:ext uri="{28A0092B-C50C-407E-A947-70E740481C1C}">
+                <a14:useLocalDpi xmlns:a14="http://schemas.microsoft.com/office/drawing/2010/main" val="0"/>
+              </a:ext>
+            </a:extLst>
+          </a:blip>
+          <a:stretch>
+            <a:fillRect/>
+          </a:stretch>
+        </p:blipFill>
+        <p:spPr>
+          <a:xfrm>
+            <a:off x="1277898" y="2315760"/>
+            <a:ext cx="3624570" cy="2160000"/>
+          </a:xfrm>
+          <a:prstGeom prst="rect">
+            <a:avLst/>
+          </a:prstGeom>
+        </p:spPr>
+      </p:pic>
+      <p:pic>
+        <p:nvPicPr>
+          <p:cNvPr id="10" name="図 9"/>
+          <p:cNvPicPr>
+            <a:picLocks noChangeAspect="1"/>
+          </p:cNvPicPr>
+          <p:nvPr/>
+        </p:nvPicPr>
+        <p:blipFill>
+          <a:blip r:embed="rId4">
+            <a:extLst>
+              <a:ext uri="{28A0092B-C50C-407E-A947-70E740481C1C}">
+                <a14:useLocalDpi xmlns:a14="http://schemas.microsoft.com/office/drawing/2010/main" val="0"/>
+              </a:ext>
+            </a:extLst>
+          </a:blip>
+          <a:stretch>
+            <a:fillRect/>
+          </a:stretch>
+        </p:blipFill>
+        <p:spPr>
+          <a:xfrm>
+            <a:off x="1277898" y="155760"/>
+            <a:ext cx="3624570" cy="2160000"/>
+          </a:xfrm>
+          <a:prstGeom prst="rect">
+            <a:avLst/>
+          </a:prstGeom>
+        </p:spPr>
+      </p:pic>
+      <p:pic>
+        <p:nvPicPr>
+          <p:cNvPr id="11" name="図 10"/>
+          <p:cNvPicPr>
+            <a:picLocks noChangeAspect="1"/>
+          </p:cNvPicPr>
+          <p:nvPr/>
+        </p:nvPicPr>
+        <p:blipFill>
+          <a:blip r:embed="rId5">
+            <a:extLst>
+              <a:ext uri="{28A0092B-C50C-407E-A947-70E740481C1C}">
+                <a14:useLocalDpi xmlns:a14="http://schemas.microsoft.com/office/drawing/2010/main" val="0"/>
+              </a:ext>
+            </a:extLst>
+          </a:blip>
+          <a:stretch>
+            <a:fillRect/>
+          </a:stretch>
+        </p:blipFill>
+        <p:spPr>
+          <a:xfrm>
+            <a:off x="7197333" y="2315760"/>
+            <a:ext cx="3669436" cy="2160000"/>
+          </a:xfrm>
+          <a:prstGeom prst="rect">
+            <a:avLst/>
+          </a:prstGeom>
+        </p:spPr>
+      </p:pic>
+      <p:pic>
+        <p:nvPicPr>
+          <p:cNvPr id="12" name="図 11"/>
+          <p:cNvPicPr>
+            <a:picLocks noChangeAspect="1"/>
+          </p:cNvPicPr>
+          <p:nvPr/>
+        </p:nvPicPr>
+        <p:blipFill>
+          <a:blip r:embed="rId6">
+            <a:extLst>
+              <a:ext uri="{28A0092B-C50C-407E-A947-70E740481C1C}">
+                <a14:useLocalDpi xmlns:a14="http://schemas.microsoft.com/office/drawing/2010/main" val="0"/>
+              </a:ext>
+            </a:extLst>
+          </a:blip>
+          <a:stretch>
+            <a:fillRect/>
+          </a:stretch>
+        </p:blipFill>
+        <p:spPr>
+          <a:xfrm>
+            <a:off x="7197333" y="155760"/>
+            <a:ext cx="3624570" cy="2160000"/>
+          </a:xfrm>
+          <a:prstGeom prst="rect">
+            <a:avLst/>
+          </a:prstGeom>
+        </p:spPr>
+      </p:pic>
+      <p:pic>
+        <p:nvPicPr>
+          <p:cNvPr id="13" name="図 12"/>
+          <p:cNvPicPr>
+            <a:picLocks noChangeAspect="1"/>
+          </p:cNvPicPr>
+          <p:nvPr/>
+        </p:nvPicPr>
+        <p:blipFill>
+          <a:blip r:embed="rId7">
+            <a:extLst>
+              <a:ext uri="{28A0092B-C50C-407E-A947-70E740481C1C}">
+                <a14:useLocalDpi xmlns:a14="http://schemas.microsoft.com/office/drawing/2010/main" val="0"/>
+              </a:ext>
+            </a:extLst>
+          </a:blip>
+          <a:stretch>
+            <a:fillRect/>
+          </a:stretch>
+        </p:blipFill>
+        <p:spPr>
+          <a:xfrm>
+            <a:off x="7197333" y="4475760"/>
+            <a:ext cx="3624570" cy="2160000"/>
+          </a:xfrm>
+          <a:prstGeom prst="rect">
+            <a:avLst/>
+          </a:prstGeom>
+        </p:spPr>
+      </p:pic>
+      <p:sp>
+        <p:nvSpPr>
+          <p:cNvPr id="2" name="テキスト ボックス 1"/>
+          <p:cNvSpPr txBox="1"/>
+          <p:nvPr/>
+        </p:nvSpPr>
+        <p:spPr>
+          <a:xfrm>
+            <a:off x="4897030" y="3103372"/>
+            <a:ext cx="2305741" cy="584775"/>
+          </a:xfrm>
+          <a:prstGeom prst="rect">
+            <a:avLst/>
+          </a:prstGeom>
+          <a:noFill/>
+        </p:spPr>
+        <p:txBody>
+          <a:bodyPr wrap="square" rtlCol="0">
+            <a:spAutoFit/>
+          </a:bodyPr>
+          <a:lstStyle/>
+          <a:p>
+            <a:r>
+              <a:rPr kumimoji="1" lang="ja-JP" altLang="en-US" sz="3200" dirty="0" smtClean="0"/>
+              <a:t>セ・リーグ</a:t>
+            </a:r>
+            <a:endParaRPr kumimoji="1" lang="ja-JP" altLang="en-US" sz="3200" dirty="0"/>
           </a:p>
         </p:txBody>
       </p:sp>
     </p:spTree>
     <p:extLst>
       <p:ext uri="{BB962C8B-B14F-4D97-AF65-F5344CB8AC3E}">
-        <p14:creationId xmlns:p14="http://schemas.microsoft.com/office/powerpoint/2010/main" val="1904231434"/>
+        <p14:creationId xmlns:p14="http://schemas.microsoft.com/office/powerpoint/2010/main" val="874483388"/>
       </p:ext>
     </p:extLst>
   </p:cSld>
   <p:clrMapOvr>
     <a:masterClrMapping/>
   </p:clrMapOvr>
+  <p:timing>
+    <p:tnLst>
+      <p:par>
+        <p:cTn id="1" dur="indefinite" restart="never" nodeType="tmRoot"/>
+      </p:par>
+    </p:tnLst>
+  </p:timing>
 </p:sld>
 </file>
 
@@ -6433,49 +7443,14 @@
         <a:srgbClr val="954F72"/>
       </a:folHlink>
     </a:clrScheme>
-    <a:fontScheme name="Office">
+    <a:fontScheme name="Calibri">
       <a:majorFont>
-        <a:latin typeface="Yu Gothic Light" panose="020F0302020204030204"/>
+        <a:latin typeface="Calibri" panose="020F0502020204030204"/>
         <a:ea typeface=""/>
         <a:cs typeface=""/>
-        <a:font script="Jpan" typeface="Yu Gothic Light"/>
+        <a:font script="Jpan" typeface="メイリオ"/>
         <a:font script="Hang" typeface="맑은 고딕"/>
-        <a:font script="Hans" typeface="DengXian Light"/>
-        <a:font script="Hant" typeface="新細明體"/>
-        <a:font script="Arab" typeface="Times New Roman"/>
-        <a:font script="Hebr" typeface="Times New Roman"/>
-        <a:font script="Thai" typeface="Angsana New"/>
-        <a:font script="Ethi" typeface="Nyala"/>
-        <a:font script="Beng" typeface="Vrinda"/>
-        <a:font script="Gujr" typeface="Shruti"/>
-        <a:font script="Khmr" typeface="MoolBoran"/>
-        <a:font script="Knda" typeface="Tunga"/>
-        <a:font script="Guru" typeface="Raavi"/>
-        <a:font script="Cans" typeface="Euphemia"/>
-        <a:font script="Cher" typeface="Plantagenet Cherokee"/>
-        <a:font script="Yiii" typeface="Microsoft Yi Baiti"/>
-        <a:font script="Tibt" typeface="Microsoft Himalaya"/>
-        <a:font script="Thaa" typeface="MV Boli"/>
-        <a:font script="Deva" typeface="Mangal"/>
-        <a:font script="Telu" typeface="Gautami"/>
-        <a:font script="Taml" typeface="Latha"/>
-        <a:font script="Syrc" typeface="Estrangelo Edessa"/>
-        <a:font script="Orya" typeface="Kalinga"/>
-        <a:font script="Mlym" typeface="Kartika"/>
-        <a:font script="Laoo" typeface="DokChampa"/>
-        <a:font script="Sinh" typeface="Iskoola Pota"/>
-        <a:font script="Mong" typeface="Mongolian Baiti"/>
-        <a:font script="Viet" typeface="Times New Roman"/>
-        <a:font script="Uigh" typeface="Microsoft Uighur"/>
-        <a:font script="Geor" typeface="Sylfaen"/>
-      </a:majorFont>
-      <a:minorFont>
-        <a:latin typeface="Yu Gothic" panose="020F0502020204030204"/>
-        <a:ea typeface=""/>
-        <a:cs typeface=""/>
-        <a:font script="Jpan" typeface="Yu Gothic"/>
-        <a:font script="Hang" typeface="맑은 고딕"/>
-        <a:font script="Hans" typeface="DengXian"/>
+        <a:font script="Hans" typeface="宋体"/>
         <a:font script="Hant" typeface="新細明體"/>
         <a:font script="Arab" typeface="Arial"/>
         <a:font script="Hebr" typeface="Arial"/>
@@ -6500,7 +7475,42 @@
         <a:font script="Laoo" typeface="DokChampa"/>
         <a:font script="Sinh" typeface="Iskoola Pota"/>
         <a:font script="Mong" typeface="Mongolian Baiti"/>
-        <a:font script="Viet" typeface="Arial"/>
+        <a:font script="Viet" typeface="Tahoma"/>
+        <a:font script="Uigh" typeface="Microsoft Uighur"/>
+        <a:font script="Geor" typeface="Sylfaen"/>
+      </a:majorFont>
+      <a:minorFont>
+        <a:latin typeface="Calibri" panose="020F0502020204030204"/>
+        <a:ea typeface=""/>
+        <a:cs typeface=""/>
+        <a:font script="Jpan" typeface="メイリオ"/>
+        <a:font script="Hang" typeface="맑은 고딕"/>
+        <a:font script="Hans" typeface="宋体"/>
+        <a:font script="Hant" typeface="新細明體"/>
+        <a:font script="Arab" typeface="Arial"/>
+        <a:font script="Hebr" typeface="Arial"/>
+        <a:font script="Thai" typeface="Cordia New"/>
+        <a:font script="Ethi" typeface="Nyala"/>
+        <a:font script="Beng" typeface="Vrinda"/>
+        <a:font script="Gujr" typeface="Shruti"/>
+        <a:font script="Khmr" typeface="DaunPenh"/>
+        <a:font script="Knda" typeface="Tunga"/>
+        <a:font script="Guru" typeface="Raavi"/>
+        <a:font script="Cans" typeface="Euphemia"/>
+        <a:font script="Cher" typeface="Plantagenet Cherokee"/>
+        <a:font script="Yiii" typeface="Microsoft Yi Baiti"/>
+        <a:font script="Tibt" typeface="Microsoft Himalaya"/>
+        <a:font script="Thaa" typeface="MV Boli"/>
+        <a:font script="Deva" typeface="Mangal"/>
+        <a:font script="Telu" typeface="Gautami"/>
+        <a:font script="Taml" typeface="Latha"/>
+        <a:font script="Syrc" typeface="Estrangelo Edessa"/>
+        <a:font script="Orya" typeface="Kalinga"/>
+        <a:font script="Mlym" typeface="Kartika"/>
+        <a:font script="Laoo" typeface="DokChampa"/>
+        <a:font script="Sinh" typeface="Iskoola Pota"/>
+        <a:font script="Mong" typeface="Mongolian Baiti"/>
+        <a:font script="Viet" typeface="Tahoma"/>
         <a:font script="Uigh" typeface="Microsoft Uighur"/>
         <a:font script="Geor" typeface="Sylfaen"/>
       </a:minorFont>
